--- a/Books2Go_ProjectTeam12.pptx
+++ b/Books2Go_ProjectTeam12.pptx
@@ -138,7 +138,18 @@
   </p:defaultTextStyle>
   <p:extLst>
     <p:ext uri="{EFAFB233-063F-42B5-8137-9DF3F51BA10A}">
-      <p15:sldGuideLst xmlns:p15="http://schemas.microsoft.com/office/powerpoint/2012/main" xmlns=""/>
+      <p15:sldGuideLst xmlns:p15="http://schemas.microsoft.com/office/powerpoint/2012/main">
+        <p15:guide id="1" orient="horz" pos="2160">
+          <p15:clr>
+            <a:srgbClr val="A4A3A4"/>
+          </p15:clr>
+        </p15:guide>
+        <p15:guide id="2" pos="3840">
+          <p15:clr>
+            <a:srgbClr val="A4A3A4"/>
+          </p15:clr>
+        </p15:guide>
+      </p15:sldGuideLst>
     </p:ext>
   </p:extLst>
 </p:presentation>
@@ -227,7 +238,7 @@
             <a:fld id="{1FA87D30-FB78-9949-9124-51A19953203D}" type="datetimeFigureOut">
               <a:rPr lang="en-US" smtClean="0"/>
               <a:pPr/>
-              <a:t>12/9/2016</a:t>
+              <a:t>1/30/2017</a:t>
             </a:fld>
             <a:endParaRPr lang="en-US"/>
           </a:p>
@@ -291,38 +302,37 @@
           <a:p>
             <a:pPr lvl="0"/>
             <a:r>
-              <a:rPr lang="en-US" smtClean="0"/>
+              <a:rPr lang="en-US"/>
               <a:t>Click to edit Master text styles</a:t>
             </a:r>
           </a:p>
           <a:p>
             <a:pPr lvl="1"/>
             <a:r>
-              <a:rPr lang="en-US" smtClean="0"/>
+              <a:rPr lang="en-US"/>
               <a:t>Second level</a:t>
             </a:r>
           </a:p>
           <a:p>
             <a:pPr lvl="2"/>
             <a:r>
-              <a:rPr lang="en-US" smtClean="0"/>
+              <a:rPr lang="en-US"/>
               <a:t>Third level</a:t>
             </a:r>
           </a:p>
           <a:p>
             <a:pPr lvl="3"/>
             <a:r>
-              <a:rPr lang="en-US" smtClean="0"/>
+              <a:rPr lang="en-US"/>
               <a:t>Fourth level</a:t>
             </a:r>
           </a:p>
           <a:p>
             <a:pPr lvl="4"/>
             <a:r>
-              <a:rPr lang="en-US" smtClean="0"/>
+              <a:rPr lang="en-US"/>
               <a:t>Fifth level</a:t>
             </a:r>
-            <a:endParaRPr lang="en-US"/>
           </a:p>
         </p:txBody>
       </p:sp>
@@ -396,7 +406,7 @@
     </p:spTree>
     <p:extLst>
       <p:ext uri="{BB962C8B-B14F-4D97-AF65-F5344CB8AC3E}">
-        <p14:creationId xmlns:p14="http://schemas.microsoft.com/office/powerpoint/2010/main" xmlns="" val="2011782959"/>
+        <p14:creationId xmlns:p14="http://schemas.microsoft.com/office/powerpoint/2010/main" val="2011782959"/>
       </p:ext>
     </p:extLst>
   </p:cSld>
@@ -571,7 +581,7 @@
     </p:spTree>
     <p:extLst>
       <p:ext uri="{BB962C8B-B14F-4D97-AF65-F5344CB8AC3E}">
-        <p14:creationId xmlns:p14="http://schemas.microsoft.com/office/powerpoint/2010/main" xmlns="" val="2053653545"/>
+        <p14:creationId xmlns:p14="http://schemas.microsoft.com/office/powerpoint/2010/main" val="2053653545"/>
       </p:ext>
     </p:extLst>
   </p:cSld>
@@ -1116,7 +1126,7 @@
           </a:lstStyle>
           <a:p>
             <a:r>
-              <a:rPr lang="en-US" smtClean="0"/>
+              <a:rPr lang="en-US"/>
               <a:t>Click to edit Master title style</a:t>
             </a:r>
             <a:endParaRPr lang="en-US" dirty="0"/>
@@ -1233,7 +1243,7 @@
           </a:lstStyle>
           <a:p>
             <a:r>
-              <a:rPr lang="en-US" smtClean="0"/>
+              <a:rPr lang="en-US"/>
               <a:t>Click to edit Master subtitle style</a:t>
             </a:r>
             <a:endParaRPr lang="en-US" dirty="0"/>
@@ -1271,7 +1281,7 @@
             <a:fld id="{23352E25-2A00-AE47-B5A0-FB7D14486911}" type="datetimeFigureOut">
               <a:rPr lang="en-US" smtClean="0"/>
               <a:pPr/>
-              <a:t>12/9/2016</a:t>
+              <a:t>1/30/2017</a:t>
             </a:fld>
             <a:endParaRPr lang="en-US"/>
           </a:p>
@@ -1381,7 +1391,7 @@
     </p:spTree>
     <p:extLst>
       <p:ext uri="{BB962C8B-B14F-4D97-AF65-F5344CB8AC3E}">
-        <p14:creationId xmlns:p14="http://schemas.microsoft.com/office/powerpoint/2010/main" xmlns="" val="1757269917"/>
+        <p14:creationId xmlns:p14="http://schemas.microsoft.com/office/powerpoint/2010/main" val="1757269917"/>
       </p:ext>
     </p:extLst>
   </p:cSld>
@@ -1393,7 +1403,7 @@
   </p:transition>
   <p:extLst mod="1">
     <p:ext uri="{DCECCB84-F9BA-43D5-87BE-67443E8EF086}">
-      <p15:sldGuideLst xmlns:p15="http://schemas.microsoft.com/office/powerpoint/2012/main" xmlns=""/>
+      <p15:sldGuideLst xmlns:p15="http://schemas.microsoft.com/office/powerpoint/2012/main"/>
     </p:ext>
   </p:extLst>
 </p:sldLayout>
@@ -2267,7 +2277,7 @@
           </a:lstStyle>
           <a:p>
             <a:r>
-              <a:rPr lang="en-US" smtClean="0"/>
+              <a:rPr lang="en-US"/>
               <a:t>Click to edit Master title style</a:t>
             </a:r>
             <a:endParaRPr lang="en-US" dirty="0"/>
@@ -2346,7 +2356,7 @@
           </a:lstStyle>
           <a:p>
             <a:r>
-              <a:rPr lang="en-US" smtClean="0"/>
+              <a:rPr lang="en-US"/>
               <a:t>Drag picture to placeholder or click icon to add</a:t>
             </a:r>
             <a:endParaRPr lang="en-US" dirty="0"/>
@@ -2418,7 +2428,7 @@
           <a:p>
             <a:pPr lvl="0"/>
             <a:r>
-              <a:rPr lang="en-US" smtClean="0"/>
+              <a:rPr lang="en-US"/>
               <a:t>Click to edit Master text styles</a:t>
             </a:r>
           </a:p>
@@ -2442,7 +2452,7 @@
             <a:fld id="{23352E25-2A00-AE47-B5A0-FB7D14486911}" type="datetimeFigureOut">
               <a:rPr lang="en-US" smtClean="0"/>
               <a:pPr/>
-              <a:t>12/9/2016</a:t>
+              <a:t>1/30/2017</a:t>
             </a:fld>
             <a:endParaRPr lang="en-US"/>
           </a:p>
@@ -2530,7 +2540,7 @@
     </p:spTree>
     <p:extLst>
       <p:ext uri="{BB962C8B-B14F-4D97-AF65-F5344CB8AC3E}">
-        <p14:creationId xmlns:p14="http://schemas.microsoft.com/office/powerpoint/2010/main" xmlns="" val="1509470105"/>
+        <p14:creationId xmlns:p14="http://schemas.microsoft.com/office/powerpoint/2010/main" val="1509470105"/>
       </p:ext>
     </p:extLst>
   </p:cSld>
@@ -3409,7 +3419,7 @@
           </a:lstStyle>
           <a:p>
             <a:r>
-              <a:rPr lang="en-US" smtClean="0"/>
+              <a:rPr lang="en-US"/>
               <a:t>Click to edit Master title style</a:t>
             </a:r>
             <a:endParaRPr lang="en-US" dirty="0"/>
@@ -3477,7 +3487,7 @@
           <a:p>
             <a:pPr lvl="0"/>
             <a:r>
-              <a:rPr lang="en-US" smtClean="0"/>
+              <a:rPr lang="en-US"/>
               <a:t>Click to edit Master text styles</a:t>
             </a:r>
           </a:p>
@@ -3501,7 +3511,7 @@
             <a:fld id="{23352E25-2A00-AE47-B5A0-FB7D14486911}" type="datetimeFigureOut">
               <a:rPr lang="en-US" smtClean="0"/>
               <a:pPr/>
-              <a:t>12/9/2016</a:t>
+              <a:t>1/30/2017</a:t>
             </a:fld>
             <a:endParaRPr lang="en-US"/>
           </a:p>
@@ -3589,7 +3599,7 @@
     </p:spTree>
     <p:extLst>
       <p:ext uri="{BB962C8B-B14F-4D97-AF65-F5344CB8AC3E}">
-        <p14:creationId xmlns:p14="http://schemas.microsoft.com/office/powerpoint/2010/main" xmlns="" val="1439732724"/>
+        <p14:creationId xmlns:p14="http://schemas.microsoft.com/office/powerpoint/2010/main" val="1439732724"/>
       </p:ext>
     </p:extLst>
   </p:cSld>
@@ -4554,7 +4564,7 @@
           </a:lstStyle>
           <a:p>
             <a:r>
-              <a:rPr lang="en-US" smtClean="0"/>
+              <a:rPr lang="en-US"/>
               <a:t>Click to edit Master title style</a:t>
             </a:r>
             <a:endParaRPr lang="en-US" dirty="0"/>
@@ -4628,7 +4638,7 @@
           <a:p>
             <a:pPr lvl="0"/>
             <a:r>
-              <a:rPr lang="en-US" smtClean="0"/>
+              <a:rPr lang="en-US"/>
               <a:t>Click to edit Master text styles</a:t>
             </a:r>
           </a:p>
@@ -4695,7 +4705,7 @@
           <a:p>
             <a:pPr lvl="0"/>
             <a:r>
-              <a:rPr lang="en-US" smtClean="0"/>
+              <a:rPr lang="en-US"/>
               <a:t>Click to edit Master text styles</a:t>
             </a:r>
           </a:p>
@@ -4719,7 +4729,7 @@
             <a:fld id="{23352E25-2A00-AE47-B5A0-FB7D14486911}" type="datetimeFigureOut">
               <a:rPr lang="en-US" smtClean="0"/>
               <a:pPr/>
-              <a:t>12/9/2016</a:t>
+              <a:t>1/30/2017</a:t>
             </a:fld>
             <a:endParaRPr lang="en-US"/>
           </a:p>
@@ -4807,7 +4817,7 @@
     </p:spTree>
     <p:extLst>
       <p:ext uri="{BB962C8B-B14F-4D97-AF65-F5344CB8AC3E}">
-        <p14:creationId xmlns:p14="http://schemas.microsoft.com/office/powerpoint/2010/main" xmlns="" val="1889641519"/>
+        <p14:creationId xmlns:p14="http://schemas.microsoft.com/office/powerpoint/2010/main" val="1889641519"/>
       </p:ext>
     </p:extLst>
   </p:cSld>
@@ -5686,7 +5696,7 @@
           </a:lstStyle>
           <a:p>
             <a:r>
-              <a:rPr lang="en-US" smtClean="0"/>
+              <a:rPr lang="en-US"/>
               <a:t>Click to edit Master title style</a:t>
             </a:r>
             <a:endParaRPr lang="en-US" dirty="0"/>
@@ -5804,7 +5814,7 @@
           <a:p>
             <a:pPr lvl="0"/>
             <a:r>
-              <a:rPr lang="en-US" smtClean="0"/>
+              <a:rPr lang="en-US"/>
               <a:t>Click to edit Master text styles</a:t>
             </a:r>
           </a:p>
@@ -5828,7 +5838,7 @@
             <a:fld id="{23352E25-2A00-AE47-B5A0-FB7D14486911}" type="datetimeFigureOut">
               <a:rPr lang="en-US" smtClean="0"/>
               <a:pPr/>
-              <a:t>12/9/2016</a:t>
+              <a:t>1/30/2017</a:t>
             </a:fld>
             <a:endParaRPr lang="en-US"/>
           </a:p>
@@ -5916,7 +5926,7 @@
     </p:spTree>
     <p:extLst>
       <p:ext uri="{BB962C8B-B14F-4D97-AF65-F5344CB8AC3E}">
-        <p14:creationId xmlns:p14="http://schemas.microsoft.com/office/powerpoint/2010/main" xmlns="" val="69354350"/>
+        <p14:creationId xmlns:p14="http://schemas.microsoft.com/office/powerpoint/2010/main" val="69354350"/>
       </p:ext>
     </p:extLst>
   </p:cSld>
@@ -5972,7 +5982,7 @@
           <a:lstStyle/>
           <a:p>
             <a:r>
-              <a:rPr lang="en-US" smtClean="0"/>
+              <a:rPr lang="en-US"/>
               <a:t>Click to edit Master title style</a:t>
             </a:r>
             <a:endParaRPr lang="en-US" dirty="0"/>
@@ -6044,7 +6054,7 @@
           <a:p>
             <a:pPr lvl="0"/>
             <a:r>
-              <a:rPr lang="en-US" smtClean="0"/>
+              <a:rPr lang="en-US"/>
               <a:t>Click to edit Master text styles</a:t>
             </a:r>
           </a:p>
@@ -6111,7 +6121,7 @@
           <a:p>
             <a:pPr lvl="0"/>
             <a:r>
-              <a:rPr lang="en-US" smtClean="0"/>
+              <a:rPr lang="en-US"/>
               <a:t>Click to edit Master text styles</a:t>
             </a:r>
           </a:p>
@@ -6182,7 +6192,7 @@
           <a:p>
             <a:pPr lvl="0"/>
             <a:r>
-              <a:rPr lang="en-US" smtClean="0"/>
+              <a:rPr lang="en-US"/>
               <a:t>Click to edit Master text styles</a:t>
             </a:r>
           </a:p>
@@ -6249,7 +6259,7 @@
           <a:p>
             <a:pPr lvl="0"/>
             <a:r>
-              <a:rPr lang="en-US" smtClean="0"/>
+              <a:rPr lang="en-US"/>
               <a:t>Click to edit Master text styles</a:t>
             </a:r>
           </a:p>
@@ -6320,7 +6330,7 @@
           <a:p>
             <a:pPr lvl="0"/>
             <a:r>
-              <a:rPr lang="en-US" smtClean="0"/>
+              <a:rPr lang="en-US"/>
               <a:t>Click to edit Master text styles</a:t>
             </a:r>
           </a:p>
@@ -6387,7 +6397,7 @@
           <a:p>
             <a:pPr lvl="0"/>
             <a:r>
-              <a:rPr lang="en-US" smtClean="0"/>
+              <a:rPr lang="en-US"/>
               <a:t>Click to edit Master text styles</a:t>
             </a:r>
           </a:p>
@@ -6485,7 +6495,7 @@
             <a:fld id="{23352E25-2A00-AE47-B5A0-FB7D14486911}" type="datetimeFigureOut">
               <a:rPr lang="en-US" smtClean="0"/>
               <a:pPr/>
-              <a:t>12/9/2016</a:t>
+              <a:t>1/30/2017</a:t>
             </a:fld>
             <a:endParaRPr lang="en-US"/>
           </a:p>
@@ -6537,7 +6547,7 @@
     </p:spTree>
     <p:extLst>
       <p:ext uri="{BB962C8B-B14F-4D97-AF65-F5344CB8AC3E}">
-        <p14:creationId xmlns:p14="http://schemas.microsoft.com/office/powerpoint/2010/main" xmlns="" val="1702423776"/>
+        <p14:creationId xmlns:p14="http://schemas.microsoft.com/office/powerpoint/2010/main" val="1702423776"/>
       </p:ext>
     </p:extLst>
   </p:cSld>
@@ -6587,7 +6597,7 @@
           </a:lstStyle>
           <a:p>
             <a:r>
-              <a:rPr lang="en-US" smtClean="0"/>
+              <a:rPr lang="en-US"/>
               <a:t>Click to edit Master title style</a:t>
             </a:r>
             <a:endParaRPr lang="en-US" dirty="0"/>
@@ -6659,7 +6669,7 @@
           <a:p>
             <a:pPr lvl="0"/>
             <a:r>
-              <a:rPr lang="en-US" smtClean="0"/>
+              <a:rPr lang="en-US"/>
               <a:t>Click to edit Master text styles</a:t>
             </a:r>
           </a:p>
@@ -6737,7 +6747,7 @@
           </a:lstStyle>
           <a:p>
             <a:r>
-              <a:rPr lang="en-US" smtClean="0"/>
+              <a:rPr lang="en-US"/>
               <a:t>Drag picture to placeholder or click icon to add</a:t>
             </a:r>
             <a:endParaRPr lang="en-US" dirty="0"/>
@@ -6805,7 +6815,7 @@
           <a:p>
             <a:pPr lvl="0"/>
             <a:r>
-              <a:rPr lang="en-US" smtClean="0"/>
+              <a:rPr lang="en-US"/>
               <a:t>Click to edit Master text styles</a:t>
             </a:r>
           </a:p>
@@ -6876,7 +6886,7 @@
           <a:p>
             <a:pPr lvl="0"/>
             <a:r>
-              <a:rPr lang="en-US" smtClean="0"/>
+              <a:rPr lang="en-US"/>
               <a:t>Click to edit Master text styles</a:t>
             </a:r>
           </a:p>
@@ -6954,7 +6964,7 @@
           </a:lstStyle>
           <a:p>
             <a:r>
-              <a:rPr lang="en-US" smtClean="0"/>
+              <a:rPr lang="en-US"/>
               <a:t>Drag picture to placeholder or click icon to add</a:t>
             </a:r>
             <a:endParaRPr lang="en-US" dirty="0"/>
@@ -7022,7 +7032,7 @@
           <a:p>
             <a:pPr lvl="0"/>
             <a:r>
-              <a:rPr lang="en-US" smtClean="0"/>
+              <a:rPr lang="en-US"/>
               <a:t>Click to edit Master text styles</a:t>
             </a:r>
           </a:p>
@@ -7093,7 +7103,7 @@
           <a:p>
             <a:pPr lvl="0"/>
             <a:r>
-              <a:rPr lang="en-US" smtClean="0"/>
+              <a:rPr lang="en-US"/>
               <a:t>Click to edit Master text styles</a:t>
             </a:r>
           </a:p>
@@ -7171,7 +7181,7 @@
           </a:lstStyle>
           <a:p>
             <a:r>
-              <a:rPr lang="en-US" smtClean="0"/>
+              <a:rPr lang="en-US"/>
               <a:t>Drag picture to placeholder or click icon to add</a:t>
             </a:r>
             <a:endParaRPr lang="en-US" dirty="0"/>
@@ -7239,7 +7249,7 @@
           <a:p>
             <a:pPr lvl="0"/>
             <a:r>
-              <a:rPr lang="en-US" smtClean="0"/>
+              <a:rPr lang="en-US"/>
               <a:t>Click to edit Master text styles</a:t>
             </a:r>
           </a:p>
@@ -7337,7 +7347,7 @@
             <a:fld id="{23352E25-2A00-AE47-B5A0-FB7D14486911}" type="datetimeFigureOut">
               <a:rPr lang="en-US" smtClean="0"/>
               <a:pPr/>
-              <a:t>12/9/2016</a:t>
+              <a:t>1/30/2017</a:t>
             </a:fld>
             <a:endParaRPr lang="en-US"/>
           </a:p>
@@ -7389,7 +7399,7 @@
     </p:spTree>
     <p:extLst>
       <p:ext uri="{BB962C8B-B14F-4D97-AF65-F5344CB8AC3E}">
-        <p14:creationId xmlns:p14="http://schemas.microsoft.com/office/powerpoint/2010/main" xmlns="" val="1711774251"/>
+        <p14:creationId xmlns:p14="http://schemas.microsoft.com/office/powerpoint/2010/main" val="1711774251"/>
       </p:ext>
     </p:extLst>
   </p:cSld>
@@ -7445,7 +7455,7 @@
           <a:lstStyle/>
           <a:p>
             <a:r>
-              <a:rPr lang="en-US" smtClean="0"/>
+              <a:rPr lang="en-US"/>
               <a:t>Click to edit Master title style</a:t>
             </a:r>
             <a:endParaRPr lang="en-US" dirty="0"/>
@@ -7474,35 +7484,35 @@
           <a:p>
             <a:pPr lvl="0"/>
             <a:r>
-              <a:rPr lang="en-US" smtClean="0"/>
+              <a:rPr lang="en-US"/>
               <a:t>Click to edit Master text styles</a:t>
             </a:r>
           </a:p>
           <a:p>
             <a:pPr lvl="1"/>
             <a:r>
-              <a:rPr lang="en-US" smtClean="0"/>
+              <a:rPr lang="en-US"/>
               <a:t>Second level</a:t>
             </a:r>
           </a:p>
           <a:p>
             <a:pPr lvl="2"/>
             <a:r>
-              <a:rPr lang="en-US" smtClean="0"/>
+              <a:rPr lang="en-US"/>
               <a:t>Third level</a:t>
             </a:r>
           </a:p>
           <a:p>
             <a:pPr lvl="3"/>
             <a:r>
-              <a:rPr lang="en-US" smtClean="0"/>
+              <a:rPr lang="en-US"/>
               <a:t>Fourth level</a:t>
             </a:r>
           </a:p>
           <a:p>
             <a:pPr lvl="4"/>
             <a:r>
-              <a:rPr lang="en-US" smtClean="0"/>
+              <a:rPr lang="en-US"/>
               <a:t>Fifth level</a:t>
             </a:r>
             <a:endParaRPr lang="en-US" dirty="0"/>
@@ -7527,7 +7537,7 @@
             <a:fld id="{23352E25-2A00-AE47-B5A0-FB7D14486911}" type="datetimeFigureOut">
               <a:rPr lang="en-US" smtClean="0"/>
               <a:pPr/>
-              <a:t>12/9/2016</a:t>
+              <a:t>1/30/2017</a:t>
             </a:fld>
             <a:endParaRPr lang="en-US"/>
           </a:p>
@@ -7579,7 +7589,7 @@
     </p:spTree>
     <p:extLst>
       <p:ext uri="{BB962C8B-B14F-4D97-AF65-F5344CB8AC3E}">
-        <p14:creationId xmlns:p14="http://schemas.microsoft.com/office/powerpoint/2010/main" xmlns="" val="2098901345"/>
+        <p14:creationId xmlns:p14="http://schemas.microsoft.com/office/powerpoint/2010/main" val="2098901345"/>
       </p:ext>
     </p:extLst>
   </p:cSld>
@@ -8491,7 +8501,7 @@
           <a:lstStyle/>
           <a:p>
             <a:r>
-              <a:rPr lang="en-US" smtClean="0"/>
+              <a:rPr lang="en-US"/>
               <a:t>Click to edit Master title style</a:t>
             </a:r>
             <a:endParaRPr lang="en-US" dirty="0"/>
@@ -8520,35 +8530,35 @@
           <a:p>
             <a:pPr lvl="0"/>
             <a:r>
-              <a:rPr lang="en-US" smtClean="0"/>
+              <a:rPr lang="en-US"/>
               <a:t>Click to edit Master text styles</a:t>
             </a:r>
           </a:p>
           <a:p>
             <a:pPr lvl="1"/>
             <a:r>
-              <a:rPr lang="en-US" smtClean="0"/>
+              <a:rPr lang="en-US"/>
               <a:t>Second level</a:t>
             </a:r>
           </a:p>
           <a:p>
             <a:pPr lvl="2"/>
             <a:r>
-              <a:rPr lang="en-US" smtClean="0"/>
+              <a:rPr lang="en-US"/>
               <a:t>Third level</a:t>
             </a:r>
           </a:p>
           <a:p>
             <a:pPr lvl="3"/>
             <a:r>
-              <a:rPr lang="en-US" smtClean="0"/>
+              <a:rPr lang="en-US"/>
               <a:t>Fourth level</a:t>
             </a:r>
           </a:p>
           <a:p>
             <a:pPr lvl="4"/>
             <a:r>
-              <a:rPr lang="en-US" smtClean="0"/>
+              <a:rPr lang="en-US"/>
               <a:t>Fifth level</a:t>
             </a:r>
             <a:endParaRPr lang="en-US" dirty="0"/>
@@ -8573,7 +8583,7 @@
             <a:fld id="{23352E25-2A00-AE47-B5A0-FB7D14486911}" type="datetimeFigureOut">
               <a:rPr lang="en-US" smtClean="0"/>
               <a:pPr/>
-              <a:t>12/9/2016</a:t>
+              <a:t>1/30/2017</a:t>
             </a:fld>
             <a:endParaRPr lang="en-US"/>
           </a:p>
@@ -8661,7 +8671,7 @@
     </p:spTree>
     <p:extLst>
       <p:ext uri="{BB962C8B-B14F-4D97-AF65-F5344CB8AC3E}">
-        <p14:creationId xmlns:p14="http://schemas.microsoft.com/office/powerpoint/2010/main" xmlns="" val="1668519793"/>
+        <p14:creationId xmlns:p14="http://schemas.microsoft.com/office/powerpoint/2010/main" val="1668519793"/>
       </p:ext>
     </p:extLst>
   </p:cSld>
@@ -8673,7 +8683,7 @@
   </p:transition>
   <p:extLst mod="1">
     <p:ext uri="{DCECCB84-F9BA-43D5-87BE-67443E8EF086}">
-      <p15:sldGuideLst xmlns:p15="http://schemas.microsoft.com/office/powerpoint/2012/main" xmlns=""/>
+      <p15:sldGuideLst xmlns:p15="http://schemas.microsoft.com/office/powerpoint/2012/main"/>
     </p:ext>
   </p:extLst>
 </p:sldLayout>
@@ -8721,10 +8731,9 @@
           </a:lstStyle>
           <a:p>
             <a:r>
-              <a:rPr lang="en-US" smtClean="0"/>
+              <a:rPr lang="en-US"/>
               <a:t>Click to edit Master title style</a:t>
             </a:r>
-            <a:endParaRPr lang="en-US"/>
           </a:p>
         </p:txBody>
       </p:sp>
@@ -8786,10 +8795,9 @@
           </a:lstStyle>
           <a:p>
             <a:r>
-              <a:rPr lang="en-US" smtClean="0"/>
+              <a:rPr lang="en-US"/>
               <a:t>Click to edit Master subtitle style</a:t>
             </a:r>
-            <a:endParaRPr lang="en-US"/>
           </a:p>
         </p:txBody>
       </p:sp>
@@ -8811,7 +8819,7 @@
             <a:fld id="{23352E25-2A00-AE47-B5A0-FB7D14486911}" type="datetimeFigureOut">
               <a:rPr lang="en-US" smtClean="0"/>
               <a:pPr/>
-              <a:t>12/9/2016</a:t>
+              <a:t>1/30/2017</a:t>
             </a:fld>
             <a:endParaRPr lang="en-US"/>
           </a:p>
@@ -8863,7 +8871,7 @@
     </p:spTree>
     <p:extLst>
       <p:ext uri="{BB962C8B-B14F-4D97-AF65-F5344CB8AC3E}">
-        <p14:creationId xmlns:p14="http://schemas.microsoft.com/office/powerpoint/2010/main" xmlns="" val="912386679"/>
+        <p14:creationId xmlns:p14="http://schemas.microsoft.com/office/powerpoint/2010/main" val="912386679"/>
       </p:ext>
     </p:extLst>
   </p:cSld>
@@ -8875,7 +8883,7 @@
   </p:transition>
   <p:extLst mod="1">
     <p:ext uri="{DCECCB84-F9BA-43D5-87BE-67443E8EF086}">
-      <p15:sldGuideLst xmlns:p15="http://schemas.microsoft.com/office/powerpoint/2012/main" xmlns=""/>
+      <p15:sldGuideLst xmlns:p15="http://schemas.microsoft.com/office/powerpoint/2012/main"/>
     </p:ext>
   </p:extLst>
 </p:sldLayout>
@@ -8914,10 +8922,9 @@
           <a:lstStyle/>
           <a:p>
             <a:r>
-              <a:rPr lang="en-US" smtClean="0"/>
+              <a:rPr lang="en-US"/>
               <a:t>Click to edit Master title style</a:t>
             </a:r>
-            <a:endParaRPr lang="en-US"/>
           </a:p>
         </p:txBody>
       </p:sp>
@@ -8938,38 +8945,37 @@
           <a:p>
             <a:pPr lvl="0"/>
             <a:r>
-              <a:rPr lang="en-US" smtClean="0"/>
+              <a:rPr lang="en-US"/>
               <a:t>Click to edit Master text styles</a:t>
             </a:r>
           </a:p>
           <a:p>
             <a:pPr lvl="1"/>
             <a:r>
-              <a:rPr lang="en-US" smtClean="0"/>
+              <a:rPr lang="en-US"/>
               <a:t>Second level</a:t>
             </a:r>
           </a:p>
           <a:p>
             <a:pPr lvl="2"/>
             <a:r>
-              <a:rPr lang="en-US" smtClean="0"/>
+              <a:rPr lang="en-US"/>
               <a:t>Third level</a:t>
             </a:r>
           </a:p>
           <a:p>
             <a:pPr lvl="3"/>
             <a:r>
-              <a:rPr lang="en-US" smtClean="0"/>
+              <a:rPr lang="en-US"/>
               <a:t>Fourth level</a:t>
             </a:r>
           </a:p>
           <a:p>
             <a:pPr lvl="4"/>
             <a:r>
-              <a:rPr lang="en-US" smtClean="0"/>
+              <a:rPr lang="en-US"/>
               <a:t>Fifth level</a:t>
             </a:r>
-            <a:endParaRPr lang="en-US"/>
           </a:p>
         </p:txBody>
       </p:sp>
@@ -8991,7 +8997,7 @@
             <a:fld id="{23352E25-2A00-AE47-B5A0-FB7D14486911}" type="datetimeFigureOut">
               <a:rPr lang="en-US" smtClean="0"/>
               <a:pPr/>
-              <a:t>12/9/2016</a:t>
+              <a:t>1/30/2017</a:t>
             </a:fld>
             <a:endParaRPr lang="en-US"/>
           </a:p>
@@ -9043,7 +9049,7 @@
     </p:spTree>
     <p:extLst>
       <p:ext uri="{BB962C8B-B14F-4D97-AF65-F5344CB8AC3E}">
-        <p14:creationId xmlns:p14="http://schemas.microsoft.com/office/powerpoint/2010/main" xmlns="" val="1449674373"/>
+        <p14:creationId xmlns:p14="http://schemas.microsoft.com/office/powerpoint/2010/main" val="1449674373"/>
       </p:ext>
     </p:extLst>
   </p:cSld>
@@ -9099,7 +9105,7 @@
           <a:lstStyle/>
           <a:p>
             <a:r>
-              <a:rPr lang="en-US" smtClean="0"/>
+              <a:rPr lang="en-US"/>
               <a:t>Click to edit Master title style</a:t>
             </a:r>
             <a:endParaRPr lang="en-US" dirty="0"/>
@@ -9123,35 +9129,35 @@
           <a:p>
             <a:pPr lvl="0"/>
             <a:r>
-              <a:rPr lang="en-US" smtClean="0"/>
+              <a:rPr lang="en-US"/>
               <a:t>Click to edit Master text styles</a:t>
             </a:r>
           </a:p>
           <a:p>
             <a:pPr lvl="1"/>
             <a:r>
-              <a:rPr lang="en-US" smtClean="0"/>
+              <a:rPr lang="en-US"/>
               <a:t>Second level</a:t>
             </a:r>
           </a:p>
           <a:p>
             <a:pPr lvl="2"/>
             <a:r>
-              <a:rPr lang="en-US" smtClean="0"/>
+              <a:rPr lang="en-US"/>
               <a:t>Third level</a:t>
             </a:r>
           </a:p>
           <a:p>
             <a:pPr lvl="3"/>
             <a:r>
-              <a:rPr lang="en-US" smtClean="0"/>
+              <a:rPr lang="en-US"/>
               <a:t>Fourth level</a:t>
             </a:r>
           </a:p>
           <a:p>
             <a:pPr lvl="4"/>
             <a:r>
-              <a:rPr lang="en-US" smtClean="0"/>
+              <a:rPr lang="en-US"/>
               <a:t>Fifth level</a:t>
             </a:r>
             <a:endParaRPr lang="en-US" dirty="0"/>
@@ -9176,7 +9182,7 @@
             <a:fld id="{23352E25-2A00-AE47-B5A0-FB7D14486911}" type="datetimeFigureOut">
               <a:rPr lang="en-US" smtClean="0"/>
               <a:pPr/>
-              <a:t>12/9/2016</a:t>
+              <a:t>1/30/2017</a:t>
             </a:fld>
             <a:endParaRPr lang="en-US"/>
           </a:p>
@@ -9228,7 +9234,7 @@
     </p:spTree>
     <p:extLst>
       <p:ext uri="{BB962C8B-B14F-4D97-AF65-F5344CB8AC3E}">
-        <p14:creationId xmlns:p14="http://schemas.microsoft.com/office/powerpoint/2010/main" xmlns="" val="92897828"/>
+        <p14:creationId xmlns:p14="http://schemas.microsoft.com/office/powerpoint/2010/main" val="92897828"/>
       </p:ext>
     </p:extLst>
   </p:cSld>
@@ -9283,10 +9289,9 @@
           </a:lstStyle>
           <a:p>
             <a:r>
-              <a:rPr lang="en-US" smtClean="0"/>
+              <a:rPr lang="en-US"/>
               <a:t>Click to edit Master title style</a:t>
             </a:r>
-            <a:endParaRPr lang="en-US"/>
           </a:p>
         </p:txBody>
       </p:sp>
@@ -9403,7 +9408,7 @@
           <a:p>
             <a:pPr lvl="0"/>
             <a:r>
-              <a:rPr lang="en-US" smtClean="0"/>
+              <a:rPr lang="en-US"/>
               <a:t>Click to edit Master text styles</a:t>
             </a:r>
           </a:p>
@@ -9427,7 +9432,7 @@
             <a:fld id="{23352E25-2A00-AE47-B5A0-FB7D14486911}" type="datetimeFigureOut">
               <a:rPr lang="en-US" smtClean="0"/>
               <a:pPr/>
-              <a:t>12/9/2016</a:t>
+              <a:t>1/30/2017</a:t>
             </a:fld>
             <a:endParaRPr lang="en-US"/>
           </a:p>
@@ -9479,7 +9484,7 @@
     </p:spTree>
     <p:extLst>
       <p:ext uri="{BB962C8B-B14F-4D97-AF65-F5344CB8AC3E}">
-        <p14:creationId xmlns:p14="http://schemas.microsoft.com/office/powerpoint/2010/main" xmlns="" val="1475211796"/>
+        <p14:creationId xmlns:p14="http://schemas.microsoft.com/office/powerpoint/2010/main" val="1475211796"/>
       </p:ext>
     </p:extLst>
   </p:cSld>
@@ -9491,7 +9496,7 @@
   </p:transition>
   <p:extLst mod="1">
     <p:ext uri="{DCECCB84-F9BA-43D5-87BE-67443E8EF086}">
-      <p15:sldGuideLst xmlns:p15="http://schemas.microsoft.com/office/powerpoint/2012/main" xmlns=""/>
+      <p15:sldGuideLst xmlns:p15="http://schemas.microsoft.com/office/powerpoint/2012/main"/>
     </p:ext>
   </p:extLst>
 </p:sldLayout>
@@ -9530,10 +9535,9 @@
           <a:lstStyle/>
           <a:p>
             <a:r>
-              <a:rPr lang="en-US" smtClean="0"/>
+              <a:rPr lang="en-US"/>
               <a:t>Click to edit Master title style</a:t>
             </a:r>
-            <a:endParaRPr lang="en-US"/>
           </a:p>
         </p:txBody>
       </p:sp>
@@ -9559,38 +9563,37 @@
           <a:p>
             <a:pPr lvl="0"/>
             <a:r>
-              <a:rPr lang="en-US" smtClean="0"/>
+              <a:rPr lang="en-US"/>
               <a:t>Click to edit Master text styles</a:t>
             </a:r>
           </a:p>
           <a:p>
             <a:pPr lvl="1"/>
             <a:r>
-              <a:rPr lang="en-US" smtClean="0"/>
+              <a:rPr lang="en-US"/>
               <a:t>Second level</a:t>
             </a:r>
           </a:p>
           <a:p>
             <a:pPr lvl="2"/>
             <a:r>
-              <a:rPr lang="en-US" smtClean="0"/>
+              <a:rPr lang="en-US"/>
               <a:t>Third level</a:t>
             </a:r>
           </a:p>
           <a:p>
             <a:pPr lvl="3"/>
             <a:r>
-              <a:rPr lang="en-US" smtClean="0"/>
+              <a:rPr lang="en-US"/>
               <a:t>Fourth level</a:t>
             </a:r>
           </a:p>
           <a:p>
             <a:pPr lvl="4"/>
             <a:r>
-              <a:rPr lang="en-US" smtClean="0"/>
+              <a:rPr lang="en-US"/>
               <a:t>Fifth level</a:t>
             </a:r>
-            <a:endParaRPr lang="en-US"/>
           </a:p>
         </p:txBody>
       </p:sp>
@@ -9616,38 +9619,37 @@
           <a:p>
             <a:pPr lvl="0"/>
             <a:r>
-              <a:rPr lang="en-US" smtClean="0"/>
+              <a:rPr lang="en-US"/>
               <a:t>Click to edit Master text styles</a:t>
             </a:r>
           </a:p>
           <a:p>
             <a:pPr lvl="1"/>
             <a:r>
-              <a:rPr lang="en-US" smtClean="0"/>
+              <a:rPr lang="en-US"/>
               <a:t>Second level</a:t>
             </a:r>
           </a:p>
           <a:p>
             <a:pPr lvl="2"/>
             <a:r>
-              <a:rPr lang="en-US" smtClean="0"/>
+              <a:rPr lang="en-US"/>
               <a:t>Third level</a:t>
             </a:r>
           </a:p>
           <a:p>
             <a:pPr lvl="3"/>
             <a:r>
-              <a:rPr lang="en-US" smtClean="0"/>
+              <a:rPr lang="en-US"/>
               <a:t>Fourth level</a:t>
             </a:r>
           </a:p>
           <a:p>
             <a:pPr lvl="4"/>
             <a:r>
-              <a:rPr lang="en-US" smtClean="0"/>
+              <a:rPr lang="en-US"/>
               <a:t>Fifth level</a:t>
             </a:r>
-            <a:endParaRPr lang="en-US"/>
           </a:p>
         </p:txBody>
       </p:sp>
@@ -9669,7 +9671,7 @@
             <a:fld id="{23352E25-2A00-AE47-B5A0-FB7D14486911}" type="datetimeFigureOut">
               <a:rPr lang="en-US" smtClean="0"/>
               <a:pPr/>
-              <a:t>12/9/2016</a:t>
+              <a:t>1/30/2017</a:t>
             </a:fld>
             <a:endParaRPr lang="en-US"/>
           </a:p>
@@ -9721,7 +9723,7 @@
     </p:spTree>
     <p:extLst>
       <p:ext uri="{BB962C8B-B14F-4D97-AF65-F5344CB8AC3E}">
-        <p14:creationId xmlns:p14="http://schemas.microsoft.com/office/powerpoint/2010/main" xmlns="" val="1185950757"/>
+        <p14:creationId xmlns:p14="http://schemas.microsoft.com/office/powerpoint/2010/main" val="1185950757"/>
       </p:ext>
     </p:extLst>
   </p:cSld>
@@ -9772,10 +9774,9 @@
           <a:lstStyle/>
           <a:p>
             <a:r>
-              <a:rPr lang="en-US" smtClean="0"/>
+              <a:rPr lang="en-US"/>
               <a:t>Click to edit Master title style</a:t>
             </a:r>
-            <a:endParaRPr lang="en-US"/>
           </a:p>
         </p:txBody>
       </p:sp>
@@ -9838,7 +9839,7 @@
           <a:p>
             <a:pPr lvl="0"/>
             <a:r>
-              <a:rPr lang="en-US" smtClean="0"/>
+              <a:rPr lang="en-US"/>
               <a:t>Click to edit Master text styles</a:t>
             </a:r>
           </a:p>
@@ -9866,38 +9867,37 @@
           <a:p>
             <a:pPr lvl="0"/>
             <a:r>
-              <a:rPr lang="en-US" smtClean="0"/>
+              <a:rPr lang="en-US"/>
               <a:t>Click to edit Master text styles</a:t>
             </a:r>
           </a:p>
           <a:p>
             <a:pPr lvl="1"/>
             <a:r>
-              <a:rPr lang="en-US" smtClean="0"/>
+              <a:rPr lang="en-US"/>
               <a:t>Second level</a:t>
             </a:r>
           </a:p>
           <a:p>
             <a:pPr lvl="2"/>
             <a:r>
-              <a:rPr lang="en-US" smtClean="0"/>
+              <a:rPr lang="en-US"/>
               <a:t>Third level</a:t>
             </a:r>
           </a:p>
           <a:p>
             <a:pPr lvl="3"/>
             <a:r>
-              <a:rPr lang="en-US" smtClean="0"/>
+              <a:rPr lang="en-US"/>
               <a:t>Fourth level</a:t>
             </a:r>
           </a:p>
           <a:p>
             <a:pPr lvl="4"/>
             <a:r>
-              <a:rPr lang="en-US" smtClean="0"/>
+              <a:rPr lang="en-US"/>
               <a:t>Fifth level</a:t>
             </a:r>
-            <a:endParaRPr lang="en-US"/>
           </a:p>
         </p:txBody>
       </p:sp>
@@ -9960,7 +9960,7 @@
           <a:p>
             <a:pPr lvl="0"/>
             <a:r>
-              <a:rPr lang="en-US" smtClean="0"/>
+              <a:rPr lang="en-US"/>
               <a:t>Click to edit Master text styles</a:t>
             </a:r>
           </a:p>
@@ -9988,38 +9988,37 @@
           <a:p>
             <a:pPr lvl="0"/>
             <a:r>
-              <a:rPr lang="en-US" smtClean="0"/>
+              <a:rPr lang="en-US"/>
               <a:t>Click to edit Master text styles</a:t>
             </a:r>
           </a:p>
           <a:p>
             <a:pPr lvl="1"/>
             <a:r>
-              <a:rPr lang="en-US" smtClean="0"/>
+              <a:rPr lang="en-US"/>
               <a:t>Second level</a:t>
             </a:r>
           </a:p>
           <a:p>
             <a:pPr lvl="2"/>
             <a:r>
-              <a:rPr lang="en-US" smtClean="0"/>
+              <a:rPr lang="en-US"/>
               <a:t>Third level</a:t>
             </a:r>
           </a:p>
           <a:p>
             <a:pPr lvl="3"/>
             <a:r>
-              <a:rPr lang="en-US" smtClean="0"/>
+              <a:rPr lang="en-US"/>
               <a:t>Fourth level</a:t>
             </a:r>
           </a:p>
           <a:p>
             <a:pPr lvl="4"/>
             <a:r>
-              <a:rPr lang="en-US" smtClean="0"/>
+              <a:rPr lang="en-US"/>
               <a:t>Fifth level</a:t>
             </a:r>
-            <a:endParaRPr lang="en-US"/>
           </a:p>
         </p:txBody>
       </p:sp>
@@ -10041,7 +10040,7 @@
             <a:fld id="{23352E25-2A00-AE47-B5A0-FB7D14486911}" type="datetimeFigureOut">
               <a:rPr lang="en-US" smtClean="0"/>
               <a:pPr/>
-              <a:t>12/9/2016</a:t>
+              <a:t>1/30/2017</a:t>
             </a:fld>
             <a:endParaRPr lang="en-US"/>
           </a:p>
@@ -10093,7 +10092,7 @@
     </p:spTree>
     <p:extLst>
       <p:ext uri="{BB962C8B-B14F-4D97-AF65-F5344CB8AC3E}">
-        <p14:creationId xmlns:p14="http://schemas.microsoft.com/office/powerpoint/2010/main" xmlns="" val="1478645092"/>
+        <p14:creationId xmlns:p14="http://schemas.microsoft.com/office/powerpoint/2010/main" val="1478645092"/>
       </p:ext>
     </p:extLst>
   </p:cSld>
@@ -10139,10 +10138,9 @@
           <a:lstStyle/>
           <a:p>
             <a:r>
-              <a:rPr lang="en-US" smtClean="0"/>
+              <a:rPr lang="en-US"/>
               <a:t>Click to edit Master title style</a:t>
             </a:r>
-            <a:endParaRPr lang="en-US"/>
           </a:p>
         </p:txBody>
       </p:sp>
@@ -10164,7 +10162,7 @@
             <a:fld id="{23352E25-2A00-AE47-B5A0-FB7D14486911}" type="datetimeFigureOut">
               <a:rPr lang="en-US" smtClean="0"/>
               <a:pPr/>
-              <a:t>12/9/2016</a:t>
+              <a:t>1/30/2017</a:t>
             </a:fld>
             <a:endParaRPr lang="en-US"/>
           </a:p>
@@ -10216,7 +10214,7 @@
     </p:spTree>
     <p:extLst>
       <p:ext uri="{BB962C8B-B14F-4D97-AF65-F5344CB8AC3E}">
-        <p14:creationId xmlns:p14="http://schemas.microsoft.com/office/powerpoint/2010/main" xmlns="" val="907298160"/>
+        <p14:creationId xmlns:p14="http://schemas.microsoft.com/office/powerpoint/2010/main" val="907298160"/>
       </p:ext>
     </p:extLst>
   </p:cSld>
@@ -10264,7 +10262,7 @@
             <a:fld id="{23352E25-2A00-AE47-B5A0-FB7D14486911}" type="datetimeFigureOut">
               <a:rPr lang="en-US" smtClean="0"/>
               <a:pPr/>
-              <a:t>12/9/2016</a:t>
+              <a:t>1/30/2017</a:t>
             </a:fld>
             <a:endParaRPr lang="en-US"/>
           </a:p>
@@ -10316,7 +10314,7 @@
     </p:spTree>
     <p:extLst>
       <p:ext uri="{BB962C8B-B14F-4D97-AF65-F5344CB8AC3E}">
-        <p14:creationId xmlns:p14="http://schemas.microsoft.com/office/powerpoint/2010/main" xmlns="" val="1826281420"/>
+        <p14:creationId xmlns:p14="http://schemas.microsoft.com/office/powerpoint/2010/main" val="1826281420"/>
       </p:ext>
     </p:extLst>
   </p:cSld>
@@ -10371,10 +10369,9 @@
           </a:lstStyle>
           <a:p>
             <a:r>
-              <a:rPr lang="en-US" smtClean="0"/>
+              <a:rPr lang="en-US"/>
               <a:t>Click to edit Master title style</a:t>
             </a:r>
-            <a:endParaRPr lang="en-US"/>
           </a:p>
         </p:txBody>
       </p:sp>
@@ -10428,38 +10425,37 @@
           <a:p>
             <a:pPr lvl="0"/>
             <a:r>
-              <a:rPr lang="en-US" smtClean="0"/>
+              <a:rPr lang="en-US"/>
               <a:t>Click to edit Master text styles</a:t>
             </a:r>
           </a:p>
           <a:p>
             <a:pPr lvl="1"/>
             <a:r>
-              <a:rPr lang="en-US" smtClean="0"/>
+              <a:rPr lang="en-US"/>
               <a:t>Second level</a:t>
             </a:r>
           </a:p>
           <a:p>
             <a:pPr lvl="2"/>
             <a:r>
-              <a:rPr lang="en-US" smtClean="0"/>
+              <a:rPr lang="en-US"/>
               <a:t>Third level</a:t>
             </a:r>
           </a:p>
           <a:p>
             <a:pPr lvl="3"/>
             <a:r>
-              <a:rPr lang="en-US" smtClean="0"/>
+              <a:rPr lang="en-US"/>
               <a:t>Fourth level</a:t>
             </a:r>
           </a:p>
           <a:p>
             <a:pPr lvl="4"/>
             <a:r>
-              <a:rPr lang="en-US" smtClean="0"/>
+              <a:rPr lang="en-US"/>
               <a:t>Fifth level</a:t>
             </a:r>
-            <a:endParaRPr lang="en-US"/>
           </a:p>
         </p:txBody>
       </p:sp>
@@ -10522,7 +10518,7 @@
           <a:p>
             <a:pPr lvl="0"/>
             <a:r>
-              <a:rPr lang="en-US" smtClean="0"/>
+              <a:rPr lang="en-US"/>
               <a:t>Click to edit Master text styles</a:t>
             </a:r>
           </a:p>
@@ -10546,7 +10542,7 @@
             <a:fld id="{23352E25-2A00-AE47-B5A0-FB7D14486911}" type="datetimeFigureOut">
               <a:rPr lang="en-US" smtClean="0"/>
               <a:pPr/>
-              <a:t>12/9/2016</a:t>
+              <a:t>1/30/2017</a:t>
             </a:fld>
             <a:endParaRPr lang="en-US"/>
           </a:p>
@@ -10598,7 +10594,7 @@
     </p:spTree>
     <p:extLst>
       <p:ext uri="{BB962C8B-B14F-4D97-AF65-F5344CB8AC3E}">
-        <p14:creationId xmlns:p14="http://schemas.microsoft.com/office/powerpoint/2010/main" xmlns="" val="328059369"/>
+        <p14:creationId xmlns:p14="http://schemas.microsoft.com/office/powerpoint/2010/main" val="328059369"/>
       </p:ext>
     </p:extLst>
   </p:cSld>
@@ -10653,10 +10649,9 @@
           </a:lstStyle>
           <a:p>
             <a:r>
-              <a:rPr lang="en-US" smtClean="0"/>
+              <a:rPr lang="en-US"/>
               <a:t>Click to edit Master title style</a:t>
             </a:r>
-            <a:endParaRPr lang="en-US"/>
           </a:p>
         </p:txBody>
       </p:sp>
@@ -10780,7 +10775,7 @@
           <a:p>
             <a:pPr lvl="0"/>
             <a:r>
-              <a:rPr lang="en-US" smtClean="0"/>
+              <a:rPr lang="en-US"/>
               <a:t>Click to edit Master text styles</a:t>
             </a:r>
           </a:p>
@@ -10804,7 +10799,7 @@
             <a:fld id="{23352E25-2A00-AE47-B5A0-FB7D14486911}" type="datetimeFigureOut">
               <a:rPr lang="en-US" smtClean="0"/>
               <a:pPr/>
-              <a:t>12/9/2016</a:t>
+              <a:t>1/30/2017</a:t>
             </a:fld>
             <a:endParaRPr lang="en-US"/>
           </a:p>
@@ -10856,7 +10851,7 @@
     </p:spTree>
     <p:extLst>
       <p:ext uri="{BB962C8B-B14F-4D97-AF65-F5344CB8AC3E}">
-        <p14:creationId xmlns:p14="http://schemas.microsoft.com/office/powerpoint/2010/main" xmlns="" val="1103292934"/>
+        <p14:creationId xmlns:p14="http://schemas.microsoft.com/office/powerpoint/2010/main" val="1103292934"/>
       </p:ext>
     </p:extLst>
   </p:cSld>
@@ -10902,10 +10897,9 @@
           <a:lstStyle/>
           <a:p>
             <a:r>
-              <a:rPr lang="en-US" smtClean="0"/>
+              <a:rPr lang="en-US"/>
               <a:t>Click to edit Master title style</a:t>
             </a:r>
-            <a:endParaRPr lang="en-US"/>
           </a:p>
         </p:txBody>
       </p:sp>
@@ -10926,38 +10920,37 @@
           <a:p>
             <a:pPr lvl="0"/>
             <a:r>
-              <a:rPr lang="en-US" smtClean="0"/>
+              <a:rPr lang="en-US"/>
               <a:t>Click to edit Master text styles</a:t>
             </a:r>
           </a:p>
           <a:p>
             <a:pPr lvl="1"/>
             <a:r>
-              <a:rPr lang="en-US" smtClean="0"/>
+              <a:rPr lang="en-US"/>
               <a:t>Second level</a:t>
             </a:r>
           </a:p>
           <a:p>
             <a:pPr lvl="2"/>
             <a:r>
-              <a:rPr lang="en-US" smtClean="0"/>
+              <a:rPr lang="en-US"/>
               <a:t>Third level</a:t>
             </a:r>
           </a:p>
           <a:p>
             <a:pPr lvl="3"/>
             <a:r>
-              <a:rPr lang="en-US" smtClean="0"/>
+              <a:rPr lang="en-US"/>
               <a:t>Fourth level</a:t>
             </a:r>
           </a:p>
           <a:p>
             <a:pPr lvl="4"/>
             <a:r>
-              <a:rPr lang="en-US" smtClean="0"/>
+              <a:rPr lang="en-US"/>
               <a:t>Fifth level</a:t>
             </a:r>
-            <a:endParaRPr lang="en-US"/>
           </a:p>
         </p:txBody>
       </p:sp>
@@ -10979,7 +10972,7 @@
             <a:fld id="{23352E25-2A00-AE47-B5A0-FB7D14486911}" type="datetimeFigureOut">
               <a:rPr lang="en-US" smtClean="0"/>
               <a:pPr/>
-              <a:t>12/9/2016</a:t>
+              <a:t>1/30/2017</a:t>
             </a:fld>
             <a:endParaRPr lang="en-US"/>
           </a:p>
@@ -11031,7 +11024,7 @@
     </p:spTree>
     <p:extLst>
       <p:ext uri="{BB962C8B-B14F-4D97-AF65-F5344CB8AC3E}">
-        <p14:creationId xmlns:p14="http://schemas.microsoft.com/office/powerpoint/2010/main" xmlns="" val="1670533540"/>
+        <p14:creationId xmlns:p14="http://schemas.microsoft.com/office/powerpoint/2010/main" val="1670533540"/>
       </p:ext>
     </p:extLst>
   </p:cSld>
@@ -11082,10 +11075,9 @@
           <a:lstStyle/>
           <a:p>
             <a:r>
-              <a:rPr lang="en-US" smtClean="0"/>
+              <a:rPr lang="en-US"/>
               <a:t>Click to edit Master title style</a:t>
             </a:r>
-            <a:endParaRPr lang="en-US"/>
           </a:p>
         </p:txBody>
       </p:sp>
@@ -11111,38 +11103,37 @@
           <a:p>
             <a:pPr lvl="0"/>
             <a:r>
-              <a:rPr lang="en-US" smtClean="0"/>
+              <a:rPr lang="en-US"/>
               <a:t>Click to edit Master text styles</a:t>
             </a:r>
           </a:p>
           <a:p>
             <a:pPr lvl="1"/>
             <a:r>
-              <a:rPr lang="en-US" smtClean="0"/>
+              <a:rPr lang="en-US"/>
               <a:t>Second level</a:t>
             </a:r>
           </a:p>
           <a:p>
             <a:pPr lvl="2"/>
             <a:r>
-              <a:rPr lang="en-US" smtClean="0"/>
+              <a:rPr lang="en-US"/>
               <a:t>Third level</a:t>
             </a:r>
           </a:p>
           <a:p>
             <a:pPr lvl="3"/>
             <a:r>
-              <a:rPr lang="en-US" smtClean="0"/>
+              <a:rPr lang="en-US"/>
               <a:t>Fourth level</a:t>
             </a:r>
           </a:p>
           <a:p>
             <a:pPr lvl="4"/>
             <a:r>
-              <a:rPr lang="en-US" smtClean="0"/>
+              <a:rPr lang="en-US"/>
               <a:t>Fifth level</a:t>
             </a:r>
-            <a:endParaRPr lang="en-US"/>
           </a:p>
         </p:txBody>
       </p:sp>
@@ -11164,7 +11155,7 @@
             <a:fld id="{23352E25-2A00-AE47-B5A0-FB7D14486911}" type="datetimeFigureOut">
               <a:rPr lang="en-US" smtClean="0"/>
               <a:pPr/>
-              <a:t>12/9/2016</a:t>
+              <a:t>1/30/2017</a:t>
             </a:fld>
             <a:endParaRPr lang="en-US"/>
           </a:p>
@@ -11216,7 +11207,7 @@
     </p:spTree>
     <p:extLst>
       <p:ext uri="{BB962C8B-B14F-4D97-AF65-F5344CB8AC3E}">
-        <p14:creationId xmlns:p14="http://schemas.microsoft.com/office/powerpoint/2010/main" xmlns="" val="456005902"/>
+        <p14:creationId xmlns:p14="http://schemas.microsoft.com/office/powerpoint/2010/main" val="456005902"/>
       </p:ext>
     </p:extLst>
   </p:cSld>
@@ -11228,7 +11219,7 @@
   </p:transition>
   <p:extLst mod="1">
     <p:ext uri="{DCECCB84-F9BA-43D5-87BE-67443E8EF086}">
-      <p15:sldGuideLst xmlns:p15="http://schemas.microsoft.com/office/powerpoint/2012/main" xmlns=""/>
+      <p15:sldGuideLst xmlns:p15="http://schemas.microsoft.com/office/powerpoint/2012/main"/>
     </p:ext>
   </p:extLst>
 </p:sldLayout>
@@ -12137,7 +12128,7 @@
           </a:lstStyle>
           <a:p>
             <a:r>
-              <a:rPr lang="en-US" smtClean="0"/>
+              <a:rPr lang="en-US"/>
               <a:t>Click to edit Master title style</a:t>
             </a:r>
             <a:endParaRPr lang="en-US" dirty="0"/>
@@ -12255,7 +12246,7 @@
           <a:p>
             <a:pPr lvl="0"/>
             <a:r>
-              <a:rPr lang="en-US" smtClean="0"/>
+              <a:rPr lang="en-US"/>
               <a:t>Click to edit Master text styles</a:t>
             </a:r>
           </a:p>
@@ -12279,7 +12270,7 @@
             <a:fld id="{23352E25-2A00-AE47-B5A0-FB7D14486911}" type="datetimeFigureOut">
               <a:rPr lang="en-US" smtClean="0"/>
               <a:pPr/>
-              <a:t>12/9/2016</a:t>
+              <a:t>1/30/2017</a:t>
             </a:fld>
             <a:endParaRPr lang="en-US"/>
           </a:p>
@@ -12367,7 +12358,7 @@
     </p:spTree>
     <p:extLst>
       <p:ext uri="{BB962C8B-B14F-4D97-AF65-F5344CB8AC3E}">
-        <p14:creationId xmlns:p14="http://schemas.microsoft.com/office/powerpoint/2010/main" xmlns="" val="113183827"/>
+        <p14:creationId xmlns:p14="http://schemas.microsoft.com/office/powerpoint/2010/main" val="113183827"/>
       </p:ext>
     </p:extLst>
   </p:cSld>
@@ -12379,7 +12370,7 @@
   </p:transition>
   <p:extLst mod="1">
     <p:ext uri="{DCECCB84-F9BA-43D5-87BE-67443E8EF086}">
-      <p15:sldGuideLst xmlns:p15="http://schemas.microsoft.com/office/powerpoint/2012/main" xmlns=""/>
+      <p15:sldGuideLst xmlns:p15="http://schemas.microsoft.com/office/powerpoint/2012/main"/>
     </p:ext>
   </p:extLst>
 </p:sldLayout>
@@ -12418,7 +12409,7 @@
           <a:lstStyle/>
           <a:p>
             <a:r>
-              <a:rPr lang="en-US" smtClean="0"/>
+              <a:rPr lang="en-US"/>
               <a:t>Click to edit Master title style</a:t>
             </a:r>
             <a:endParaRPr lang="en-US" dirty="0"/>
@@ -12449,35 +12440,35 @@
           <a:p>
             <a:pPr lvl="0"/>
             <a:r>
-              <a:rPr lang="en-US" smtClean="0"/>
+              <a:rPr lang="en-US"/>
               <a:t>Click to edit Master text styles</a:t>
             </a:r>
           </a:p>
           <a:p>
             <a:pPr lvl="1"/>
             <a:r>
-              <a:rPr lang="en-US" smtClean="0"/>
+              <a:rPr lang="en-US"/>
               <a:t>Second level</a:t>
             </a:r>
           </a:p>
           <a:p>
             <a:pPr lvl="2"/>
             <a:r>
-              <a:rPr lang="en-US" smtClean="0"/>
+              <a:rPr lang="en-US"/>
               <a:t>Third level</a:t>
             </a:r>
           </a:p>
           <a:p>
             <a:pPr lvl="3"/>
             <a:r>
-              <a:rPr lang="en-US" smtClean="0"/>
+              <a:rPr lang="en-US"/>
               <a:t>Fourth level</a:t>
             </a:r>
           </a:p>
           <a:p>
             <a:pPr lvl="4"/>
             <a:r>
-              <a:rPr lang="en-US" smtClean="0"/>
+              <a:rPr lang="en-US"/>
               <a:t>Fifth level</a:t>
             </a:r>
             <a:endParaRPr lang="en-US" dirty="0"/>
@@ -12508,35 +12499,35 @@
           <a:p>
             <a:pPr lvl="0"/>
             <a:r>
-              <a:rPr lang="en-US" smtClean="0"/>
+              <a:rPr lang="en-US"/>
               <a:t>Click to edit Master text styles</a:t>
             </a:r>
           </a:p>
           <a:p>
             <a:pPr lvl="1"/>
             <a:r>
-              <a:rPr lang="en-US" smtClean="0"/>
+              <a:rPr lang="en-US"/>
               <a:t>Second level</a:t>
             </a:r>
           </a:p>
           <a:p>
             <a:pPr lvl="2"/>
             <a:r>
-              <a:rPr lang="en-US" smtClean="0"/>
+              <a:rPr lang="en-US"/>
               <a:t>Third level</a:t>
             </a:r>
           </a:p>
           <a:p>
             <a:pPr lvl="3"/>
             <a:r>
-              <a:rPr lang="en-US" smtClean="0"/>
+              <a:rPr lang="en-US"/>
               <a:t>Fourth level</a:t>
             </a:r>
           </a:p>
           <a:p>
             <a:pPr lvl="4"/>
             <a:r>
-              <a:rPr lang="en-US" smtClean="0"/>
+              <a:rPr lang="en-US"/>
               <a:t>Fifth level</a:t>
             </a:r>
             <a:endParaRPr lang="en-US" dirty="0"/>
@@ -12561,7 +12552,7 @@
             <a:fld id="{23352E25-2A00-AE47-B5A0-FB7D14486911}" type="datetimeFigureOut">
               <a:rPr lang="en-US" smtClean="0"/>
               <a:pPr/>
-              <a:t>12/9/2016</a:t>
+              <a:t>1/30/2017</a:t>
             </a:fld>
             <a:endParaRPr lang="en-US"/>
           </a:p>
@@ -12613,7 +12604,7 @@
     </p:spTree>
     <p:extLst>
       <p:ext uri="{BB962C8B-B14F-4D97-AF65-F5344CB8AC3E}">
-        <p14:creationId xmlns:p14="http://schemas.microsoft.com/office/powerpoint/2010/main" xmlns="" val="1757552794"/>
+        <p14:creationId xmlns:p14="http://schemas.microsoft.com/office/powerpoint/2010/main" val="1757552794"/>
       </p:ext>
     </p:extLst>
   </p:cSld>
@@ -12663,7 +12654,7 @@
           </a:lstStyle>
           <a:p>
             <a:r>
-              <a:rPr lang="en-US" smtClean="0"/>
+              <a:rPr lang="en-US"/>
               <a:t>Click to edit Master title style</a:t>
             </a:r>
             <a:endParaRPr lang="en-US" dirty="0"/>
@@ -12735,7 +12726,7 @@
           <a:p>
             <a:pPr lvl="0"/>
             <a:r>
-              <a:rPr lang="en-US" smtClean="0"/>
+              <a:rPr lang="en-US"/>
               <a:t>Click to edit Master text styles</a:t>
             </a:r>
           </a:p>
@@ -12765,35 +12756,35 @@
           <a:p>
             <a:pPr lvl="0"/>
             <a:r>
-              <a:rPr lang="en-US" smtClean="0"/>
+              <a:rPr lang="en-US"/>
               <a:t>Click to edit Master text styles</a:t>
             </a:r>
           </a:p>
           <a:p>
             <a:pPr lvl="1"/>
             <a:r>
-              <a:rPr lang="en-US" smtClean="0"/>
+              <a:rPr lang="en-US"/>
               <a:t>Second level</a:t>
             </a:r>
           </a:p>
           <a:p>
             <a:pPr lvl="2"/>
             <a:r>
-              <a:rPr lang="en-US" smtClean="0"/>
+              <a:rPr lang="en-US"/>
               <a:t>Third level</a:t>
             </a:r>
           </a:p>
           <a:p>
             <a:pPr lvl="3"/>
             <a:r>
-              <a:rPr lang="en-US" smtClean="0"/>
+              <a:rPr lang="en-US"/>
               <a:t>Fourth level</a:t>
             </a:r>
           </a:p>
           <a:p>
             <a:pPr lvl="4"/>
             <a:r>
-              <a:rPr lang="en-US" smtClean="0"/>
+              <a:rPr lang="en-US"/>
               <a:t>Fifth level</a:t>
             </a:r>
             <a:endParaRPr lang="en-US" dirty="0"/>
@@ -12865,7 +12856,7 @@
           <a:p>
             <a:pPr lvl="0"/>
             <a:r>
-              <a:rPr lang="en-US" smtClean="0"/>
+              <a:rPr lang="en-US"/>
               <a:t>Click to edit Master text styles</a:t>
             </a:r>
           </a:p>
@@ -12895,35 +12886,35 @@
           <a:p>
             <a:pPr lvl="0"/>
             <a:r>
-              <a:rPr lang="en-US" smtClean="0"/>
+              <a:rPr lang="en-US"/>
               <a:t>Click to edit Master text styles</a:t>
             </a:r>
           </a:p>
           <a:p>
             <a:pPr lvl="1"/>
             <a:r>
-              <a:rPr lang="en-US" smtClean="0"/>
+              <a:rPr lang="en-US"/>
               <a:t>Second level</a:t>
             </a:r>
           </a:p>
           <a:p>
             <a:pPr lvl="2"/>
             <a:r>
-              <a:rPr lang="en-US" smtClean="0"/>
+              <a:rPr lang="en-US"/>
               <a:t>Third level</a:t>
             </a:r>
           </a:p>
           <a:p>
             <a:pPr lvl="3"/>
             <a:r>
-              <a:rPr lang="en-US" smtClean="0"/>
+              <a:rPr lang="en-US"/>
               <a:t>Fourth level</a:t>
             </a:r>
           </a:p>
           <a:p>
             <a:pPr lvl="4"/>
             <a:r>
-              <a:rPr lang="en-US" smtClean="0"/>
+              <a:rPr lang="en-US"/>
               <a:t>Fifth level</a:t>
             </a:r>
             <a:endParaRPr lang="en-US" dirty="0"/>
@@ -12948,7 +12939,7 @@
             <a:fld id="{23352E25-2A00-AE47-B5A0-FB7D14486911}" type="datetimeFigureOut">
               <a:rPr lang="en-US" smtClean="0"/>
               <a:pPr/>
-              <a:t>12/9/2016</a:t>
+              <a:t>1/30/2017</a:t>
             </a:fld>
             <a:endParaRPr lang="en-US"/>
           </a:p>
@@ -13000,7 +12991,7 @@
     </p:spTree>
     <p:extLst>
       <p:ext uri="{BB962C8B-B14F-4D97-AF65-F5344CB8AC3E}">
-        <p14:creationId xmlns:p14="http://schemas.microsoft.com/office/powerpoint/2010/main" xmlns="" val="552244273"/>
+        <p14:creationId xmlns:p14="http://schemas.microsoft.com/office/powerpoint/2010/main" val="552244273"/>
       </p:ext>
     </p:extLst>
   </p:cSld>
@@ -13046,7 +13037,7 @@
           <a:lstStyle/>
           <a:p>
             <a:r>
-              <a:rPr lang="en-US" smtClean="0"/>
+              <a:rPr lang="en-US"/>
               <a:t>Click to edit Master title style</a:t>
             </a:r>
             <a:endParaRPr lang="en-US" dirty="0"/>
@@ -13071,7 +13062,7 @@
             <a:fld id="{23352E25-2A00-AE47-B5A0-FB7D14486911}" type="datetimeFigureOut">
               <a:rPr lang="en-US" smtClean="0"/>
               <a:pPr/>
-              <a:t>12/9/2016</a:t>
+              <a:t>1/30/2017</a:t>
             </a:fld>
             <a:endParaRPr lang="en-US"/>
           </a:p>
@@ -13123,7 +13114,7 @@
     </p:spTree>
     <p:extLst>
       <p:ext uri="{BB962C8B-B14F-4D97-AF65-F5344CB8AC3E}">
-        <p14:creationId xmlns:p14="http://schemas.microsoft.com/office/powerpoint/2010/main" xmlns="" val="145173977"/>
+        <p14:creationId xmlns:p14="http://schemas.microsoft.com/office/powerpoint/2010/main" val="145173977"/>
       </p:ext>
     </p:extLst>
   </p:cSld>
@@ -13171,7 +13162,7 @@
             <a:fld id="{23352E25-2A00-AE47-B5A0-FB7D14486911}" type="datetimeFigureOut">
               <a:rPr lang="en-US" smtClean="0"/>
               <a:pPr/>
-              <a:t>12/9/2016</a:t>
+              <a:t>1/30/2017</a:t>
             </a:fld>
             <a:endParaRPr lang="en-US"/>
           </a:p>
@@ -13259,7 +13250,7 @@
     </p:spTree>
     <p:extLst>
       <p:ext uri="{BB962C8B-B14F-4D97-AF65-F5344CB8AC3E}">
-        <p14:creationId xmlns:p14="http://schemas.microsoft.com/office/powerpoint/2010/main" xmlns="" val="397608447"/>
+        <p14:creationId xmlns:p14="http://schemas.microsoft.com/office/powerpoint/2010/main" val="397608447"/>
       </p:ext>
     </p:extLst>
   </p:cSld>
@@ -14175,7 +14166,7 @@
           </a:lstStyle>
           <a:p>
             <a:r>
-              <a:rPr lang="en-US" smtClean="0"/>
+              <a:rPr lang="en-US"/>
               <a:t>Click to edit Master title style</a:t>
             </a:r>
             <a:endParaRPr lang="en-US" dirty="0"/>
@@ -14206,35 +14197,35 @@
           <a:p>
             <a:pPr lvl="0"/>
             <a:r>
-              <a:rPr lang="en-US" smtClean="0"/>
+              <a:rPr lang="en-US"/>
               <a:t>Click to edit Master text styles</a:t>
             </a:r>
           </a:p>
           <a:p>
             <a:pPr lvl="1"/>
             <a:r>
-              <a:rPr lang="en-US" smtClean="0"/>
+              <a:rPr lang="en-US"/>
               <a:t>Second level</a:t>
             </a:r>
           </a:p>
           <a:p>
             <a:pPr lvl="2"/>
             <a:r>
-              <a:rPr lang="en-US" smtClean="0"/>
+              <a:rPr lang="en-US"/>
               <a:t>Third level</a:t>
             </a:r>
           </a:p>
           <a:p>
             <a:pPr lvl="3"/>
             <a:r>
-              <a:rPr lang="en-US" smtClean="0"/>
+              <a:rPr lang="en-US"/>
               <a:t>Fourth level</a:t>
             </a:r>
           </a:p>
           <a:p>
             <a:pPr lvl="4"/>
             <a:r>
-              <a:rPr lang="en-US" smtClean="0"/>
+              <a:rPr lang="en-US"/>
               <a:t>Fifth level</a:t>
             </a:r>
             <a:endParaRPr lang="en-US" dirty="0"/>
@@ -14304,7 +14295,7 @@
           <a:p>
             <a:pPr lvl="0"/>
             <a:r>
-              <a:rPr lang="en-US" smtClean="0"/>
+              <a:rPr lang="en-US"/>
               <a:t>Click to edit Master text styles</a:t>
             </a:r>
           </a:p>
@@ -14328,7 +14319,7 @@
             <a:fld id="{23352E25-2A00-AE47-B5A0-FB7D14486911}" type="datetimeFigureOut">
               <a:rPr lang="en-US" smtClean="0"/>
               <a:pPr/>
-              <a:t>12/9/2016</a:t>
+              <a:t>1/30/2017</a:t>
             </a:fld>
             <a:endParaRPr lang="en-US"/>
           </a:p>
@@ -14416,7 +14407,7 @@
     </p:spTree>
     <p:extLst>
       <p:ext uri="{BB962C8B-B14F-4D97-AF65-F5344CB8AC3E}">
-        <p14:creationId xmlns:p14="http://schemas.microsoft.com/office/powerpoint/2010/main" xmlns="" val="1783542912"/>
+        <p14:creationId xmlns:p14="http://schemas.microsoft.com/office/powerpoint/2010/main" val="1783542912"/>
       </p:ext>
     </p:extLst>
   </p:cSld>
@@ -15334,7 +15325,7 @@
           </a:lstStyle>
           <a:p>
             <a:r>
-              <a:rPr lang="en-US" smtClean="0"/>
+              <a:rPr lang="en-US"/>
               <a:t>Click to edit Master title style</a:t>
             </a:r>
             <a:endParaRPr lang="en-US" dirty="0"/>
@@ -15413,7 +15404,7 @@
           </a:lstStyle>
           <a:p>
             <a:r>
-              <a:rPr lang="en-US" smtClean="0"/>
+              <a:rPr lang="en-US"/>
               <a:t>Drag picture to placeholder or click icon to add</a:t>
             </a:r>
             <a:endParaRPr lang="en-US" dirty="0"/>
@@ -15485,7 +15476,7 @@
           <a:p>
             <a:pPr lvl="0"/>
             <a:r>
-              <a:rPr lang="en-US" smtClean="0"/>
+              <a:rPr lang="en-US"/>
               <a:t>Click to edit Master text styles</a:t>
             </a:r>
           </a:p>
@@ -15509,7 +15500,7 @@
             <a:fld id="{23352E25-2A00-AE47-B5A0-FB7D14486911}" type="datetimeFigureOut">
               <a:rPr lang="en-US" smtClean="0"/>
               <a:pPr/>
-              <a:t>12/9/2016</a:t>
+              <a:t>1/30/2017</a:t>
             </a:fld>
             <a:endParaRPr lang="en-US"/>
           </a:p>
@@ -15597,7 +15588,7 @@
     </p:spTree>
     <p:extLst>
       <p:ext uri="{BB962C8B-B14F-4D97-AF65-F5344CB8AC3E}">
-        <p14:creationId xmlns:p14="http://schemas.microsoft.com/office/powerpoint/2010/main" xmlns="" val="1428977158"/>
+        <p14:creationId xmlns:p14="http://schemas.microsoft.com/office/powerpoint/2010/main" val="1428977158"/>
       </p:ext>
     </p:extLst>
   </p:cSld>
@@ -16482,7 +16473,7 @@
           <a:lstStyle/>
           <a:p>
             <a:r>
-              <a:rPr lang="en-US" smtClean="0"/>
+              <a:rPr lang="en-US"/>
               <a:t>Click to edit Master title style</a:t>
             </a:r>
             <a:endParaRPr lang="en-US" dirty="0"/>
@@ -16516,35 +16507,35 @@
           <a:p>
             <a:pPr lvl="0"/>
             <a:r>
-              <a:rPr lang="en-US" smtClean="0"/>
+              <a:rPr lang="en-US"/>
               <a:t>Click to edit Master text styles</a:t>
             </a:r>
           </a:p>
           <a:p>
             <a:pPr lvl="1"/>
             <a:r>
-              <a:rPr lang="en-US" smtClean="0"/>
+              <a:rPr lang="en-US"/>
               <a:t>Second level</a:t>
             </a:r>
           </a:p>
           <a:p>
             <a:pPr lvl="2"/>
             <a:r>
-              <a:rPr lang="en-US" smtClean="0"/>
+              <a:rPr lang="en-US"/>
               <a:t>Third level</a:t>
             </a:r>
           </a:p>
           <a:p>
             <a:pPr lvl="3"/>
             <a:r>
-              <a:rPr lang="en-US" smtClean="0"/>
+              <a:rPr lang="en-US"/>
               <a:t>Fourth level</a:t>
             </a:r>
           </a:p>
           <a:p>
             <a:pPr lvl="4"/>
             <a:r>
-              <a:rPr lang="en-US" smtClean="0"/>
+              <a:rPr lang="en-US"/>
               <a:t>Fifth level</a:t>
             </a:r>
             <a:endParaRPr lang="en-US" dirty="0"/>
@@ -16620,7 +16611,7 @@
             <a:fld id="{23352E25-2A00-AE47-B5A0-FB7D14486911}" type="datetimeFigureOut">
               <a:rPr lang="en-US" smtClean="0"/>
               <a:pPr/>
-              <a:t>12/9/2016</a:t>
+              <a:t>1/30/2017</a:t>
             </a:fld>
             <a:endParaRPr lang="en-US"/>
           </a:p>
@@ -16705,7 +16696,7 @@
     </p:spTree>
     <p:extLst>
       <p:ext uri="{BB962C8B-B14F-4D97-AF65-F5344CB8AC3E}">
-        <p14:creationId xmlns:p14="http://schemas.microsoft.com/office/powerpoint/2010/main" xmlns="" val="2116667096"/>
+        <p14:creationId xmlns:p14="http://schemas.microsoft.com/office/powerpoint/2010/main" val="2116667096"/>
       </p:ext>
     </p:extLst>
   </p:cSld>
@@ -17130,7 +17121,7 @@
   </p:txStyles>
   <p:extLst mod="1">
     <p:ext uri="{27BBF7A9-308A-43DC-89C8-2F10F3537804}">
-      <p15:sldGuideLst xmlns:p15="http://schemas.microsoft.com/office/powerpoint/2012/main" xmlns=""/>
+      <p15:sldGuideLst xmlns:p15="http://schemas.microsoft.com/office/powerpoint/2012/main"/>
     </p:ext>
   </p:extLst>
 </p:sldMaster>
@@ -17184,10 +17175,9 @@
           <a:lstStyle/>
           <a:p>
             <a:r>
-              <a:rPr lang="en-US" smtClean="0"/>
+              <a:rPr lang="en-US"/>
               <a:t>Click to edit Master title style</a:t>
             </a:r>
-            <a:endParaRPr lang="en-US"/>
           </a:p>
         </p:txBody>
       </p:sp>
@@ -17218,38 +17208,37 @@
           <a:p>
             <a:pPr lvl="0"/>
             <a:r>
-              <a:rPr lang="en-US" smtClean="0"/>
+              <a:rPr lang="en-US"/>
               <a:t>Click to edit Master text styles</a:t>
             </a:r>
           </a:p>
           <a:p>
             <a:pPr lvl="1"/>
             <a:r>
-              <a:rPr lang="en-US" smtClean="0"/>
+              <a:rPr lang="en-US"/>
               <a:t>Second level</a:t>
             </a:r>
           </a:p>
           <a:p>
             <a:pPr lvl="2"/>
             <a:r>
-              <a:rPr lang="en-US" smtClean="0"/>
+              <a:rPr lang="en-US"/>
               <a:t>Third level</a:t>
             </a:r>
           </a:p>
           <a:p>
             <a:pPr lvl="3"/>
             <a:r>
-              <a:rPr lang="en-US" smtClean="0"/>
+              <a:rPr lang="en-US"/>
               <a:t>Fourth level</a:t>
             </a:r>
           </a:p>
           <a:p>
             <a:pPr lvl="4"/>
             <a:r>
-              <a:rPr lang="en-US" smtClean="0"/>
+              <a:rPr lang="en-US"/>
               <a:t>Fifth level</a:t>
             </a:r>
-            <a:endParaRPr lang="en-US"/>
           </a:p>
         </p:txBody>
       </p:sp>
@@ -17289,7 +17278,7 @@
             <a:fld id="{23352E25-2A00-AE47-B5A0-FB7D14486911}" type="datetimeFigureOut">
               <a:rPr lang="en-US" smtClean="0"/>
               <a:pPr/>
-              <a:t>12/9/2016</a:t>
+              <a:t>1/30/2017</a:t>
             </a:fld>
             <a:endParaRPr lang="en-US"/>
           </a:p>
@@ -17377,7 +17366,7 @@
     </p:spTree>
     <p:extLst>
       <p:ext uri="{BB962C8B-B14F-4D97-AF65-F5344CB8AC3E}">
-        <p14:creationId xmlns:p14="http://schemas.microsoft.com/office/powerpoint/2010/main" xmlns="" val="804897476"/>
+        <p14:creationId xmlns:p14="http://schemas.microsoft.com/office/powerpoint/2010/main" val="804897476"/>
       </p:ext>
     </p:extLst>
   </p:cSld>
@@ -17680,7 +17669,7 @@
   </p:txStyles>
   <p:extLst mod="1">
     <p:ext uri="{27BBF7A9-308A-43DC-89C8-2F10F3537804}">
-      <p15:sldGuideLst xmlns:p15="http://schemas.microsoft.com/office/powerpoint/2012/main" xmlns=""/>
+      <p15:sldGuideLst xmlns:p15="http://schemas.microsoft.com/office/powerpoint/2012/main"/>
     </p:ext>
   </p:extLst>
 </p:sldMaster>
@@ -17724,10 +17713,16 @@
           <a:lstStyle/>
           <a:p>
             <a:r>
-              <a:rPr lang="en-US" dirty="0" smtClean="0"/>
-              <a:t>Mobile Application Development Project</a:t>
-            </a:r>
-            <a:endParaRPr lang="en-US" dirty="0"/>
+              <a:rPr lang="en-US" dirty="0"/>
+              <a:t>Mobile Application Development</a:t>
+            </a:r>
+            <a:br>
+              <a:rPr lang="en-US" dirty="0"/>
+            </a:br>
+            <a:r>
+              <a:rPr lang="en-US" dirty="0"/>
+              <a:t>Project Books2Go</a:t>
+            </a:r>
           </a:p>
         </p:txBody>
       </p:sp>
@@ -17754,17 +17749,16 @@
           <a:lstStyle/>
           <a:p>
             <a:r>
-              <a:rPr lang="en-US" sz="2400" dirty="0" smtClean="0"/>
+              <a:rPr lang="en-US" sz="2400" dirty="0"/>
               <a:t>Project Team - 12</a:t>
             </a:r>
-            <a:endParaRPr lang="en-US" sz="2400" dirty="0"/>
           </a:p>
         </p:txBody>
       </p:sp>
     </p:spTree>
     <p:extLst>
       <p:ext uri="{BB962C8B-B14F-4D97-AF65-F5344CB8AC3E}">
-        <p14:creationId xmlns:p14="http://schemas.microsoft.com/office/powerpoint/2010/main" xmlns="" val="1884825794"/>
+        <p14:creationId xmlns:p14="http://schemas.microsoft.com/office/powerpoint/2010/main" val="1884825794"/>
       </p:ext>
     </p:extLst>
   </p:cSld>
@@ -17774,13 +17768,6 @@
   <p:transition spd="slow">
     <p:cover/>
   </p:transition>
-  <p:timing>
-    <p:tnLst>
-      <p:par>
-        <p:cTn id="1" dur="indefinite" restart="never" nodeType="tmRoot"/>
-      </p:par>
-    </p:tnLst>
-  </p:timing>
 </p:sld>
 </file>
 
@@ -17823,10 +17810,9 @@
           <a:p>
             <a:pPr algn="ctr"/>
             <a:r>
-              <a:rPr lang="en-US" dirty="0" smtClean="0"/>
+              <a:rPr lang="en-US" dirty="0"/>
               <a:t>Member Contributions</a:t>
             </a:r>
-            <a:endParaRPr lang="en-US" dirty="0"/>
           </a:p>
         </p:txBody>
       </p:sp>
@@ -17844,7 +17830,7 @@
           <a:blip r:embed="rId2">
             <a:extLst>
               <a:ext uri="{28A0092B-C50C-407E-A947-70E740481C1C}">
-                <a14:useLocalDpi xmlns:a14="http://schemas.microsoft.com/office/drawing/2010/main" xmlns="" val="0"/>
+                <a14:useLocalDpi xmlns:a14="http://schemas.microsoft.com/office/drawing/2010/main" val="0"/>
               </a:ext>
             </a:extLst>
           </a:blip>
@@ -17862,7 +17848,7 @@
     </p:spTree>
     <p:extLst>
       <p:ext uri="{BB962C8B-B14F-4D97-AF65-F5344CB8AC3E}">
-        <p14:creationId xmlns:p14="http://schemas.microsoft.com/office/powerpoint/2010/main" xmlns="" val="1405158564"/>
+        <p14:creationId xmlns:p14="http://schemas.microsoft.com/office/powerpoint/2010/main" val="1405158564"/>
       </p:ext>
     </p:extLst>
   </p:cSld>
@@ -17872,13 +17858,6 @@
   <p:transition spd="slow">
     <p:cover/>
   </p:transition>
-  <p:timing>
-    <p:tnLst>
-      <p:par>
-        <p:cTn id="1" dur="indefinite" restart="never" nodeType="tmRoot"/>
-      </p:par>
-    </p:tnLst>
-  </p:timing>
 </p:sld>
 </file>
 
@@ -17944,60 +17923,28 @@
           <a:lstStyle/>
           <a:p>
             <a:r>
-              <a:rPr lang="en-US" sz="2500" dirty="0" smtClean="0"/>
-              <a:t>Handled data </a:t>
-            </a:r>
-            <a:r>
               <a:rPr lang="en-US" sz="2500" dirty="0"/>
-              <a:t>storage related to user, book detail and message by using </a:t>
-            </a:r>
-            <a:r>
-              <a:rPr lang="en-US" sz="2500" dirty="0" err="1" smtClean="0"/>
+              <a:t>Handled data storage related to user, book detail and message by using </a:t>
+            </a:r>
+            <a:r>
+              <a:rPr lang="en-US" sz="2500" dirty="0" err="1"/>
               <a:t>sharedPreference</a:t>
             </a:r>
             <a:r>
-              <a:rPr lang="en-US" sz="2500" dirty="0" smtClean="0"/>
+              <a:rPr lang="en-US" sz="2500" dirty="0"/>
               <a:t>.</a:t>
             </a:r>
           </a:p>
           <a:p>
             <a:r>
               <a:rPr lang="en-US" sz="2500" dirty="0"/>
-              <a:t>M</a:t>
-            </a:r>
-            <a:r>
-              <a:rPr lang="en-US" sz="2500" dirty="0" smtClean="0"/>
-              <a:t>ade </a:t>
-            </a:r>
+              <a:t>Made use of MongoDB for handling data requests, data access management and background management so that the app could work online.</a:t>
+            </a:r>
+          </a:p>
+          <a:p>
             <a:r>
               <a:rPr lang="en-US" sz="2500" dirty="0"/>
-              <a:t>use of MongoDB for handling data requests, data access management and background management so that the app could work </a:t>
-            </a:r>
-            <a:r>
-              <a:rPr lang="en-US" sz="2500" dirty="0" smtClean="0"/>
-              <a:t>online.</a:t>
-            </a:r>
-          </a:p>
-          <a:p>
-            <a:r>
-              <a:rPr lang="en-US" sz="2500" dirty="0" smtClean="0"/>
-              <a:t>Coding </a:t>
-            </a:r>
-            <a:r>
-              <a:rPr lang="en-US" sz="2500" dirty="0"/>
-              <a:t>part for basic features including login, registration, user profile, book </a:t>
-            </a:r>
-            <a:r>
-              <a:rPr lang="en-US" sz="2500" dirty="0" smtClean="0"/>
-              <a:t>list, posting, detail</a:t>
-            </a:r>
-            <a:r>
-              <a:rPr lang="en-US" sz="2500" dirty="0"/>
-              <a:t>, biding and </a:t>
-            </a:r>
-            <a:r>
-              <a:rPr lang="en-US" sz="2500" dirty="0" smtClean="0"/>
-              <a:t>message.</a:t>
+              <a:t>Coding part for basic features including login, registration, user profile, book list, posting, detail, biding and message.</a:t>
             </a:r>
           </a:p>
         </p:txBody>
@@ -18005,7 +17952,7 @@
     </p:spTree>
     <p:extLst>
       <p:ext uri="{BB962C8B-B14F-4D97-AF65-F5344CB8AC3E}">
-        <p14:creationId xmlns:p14="http://schemas.microsoft.com/office/powerpoint/2010/main" xmlns="" val="335855576"/>
+        <p14:creationId xmlns:p14="http://schemas.microsoft.com/office/powerpoint/2010/main" val="335855576"/>
       </p:ext>
     </p:extLst>
   </p:cSld>
@@ -18015,13 +17962,6 @@
   <p:transition spd="slow">
     <p:cover/>
   </p:transition>
-  <p:timing>
-    <p:tnLst>
-      <p:par>
-        <p:cTn id="1" dur="indefinite" restart="never" nodeType="tmRoot"/>
-      </p:par>
-    </p:tnLst>
-  </p:timing>
 </p:sld>
 </file>
 
@@ -18058,10 +17998,9 @@
           <a:lstStyle/>
           <a:p>
             <a:r>
-              <a:rPr lang="en-US" b="1" dirty="0" smtClean="0"/>
+              <a:rPr lang="en-US" b="1" dirty="0"/>
               <a:t>ETHAN CERNOK</a:t>
             </a:r>
-            <a:endParaRPr lang="en-US" b="1" dirty="0"/>
           </a:p>
         </p:txBody>
       </p:sp>
@@ -18088,25 +18027,21 @@
           <a:lstStyle/>
           <a:p>
             <a:r>
-              <a:rPr lang="en-US" sz="2500" dirty="0" smtClean="0"/>
+              <a:rPr lang="en-US" sz="2500" dirty="0"/>
               <a:t>Coding for posting a book to the marketplace.</a:t>
             </a:r>
           </a:p>
           <a:p>
             <a:r>
               <a:rPr lang="en-US" sz="2500" dirty="0"/>
-              <a:t> </a:t>
-            </a:r>
-            <a:r>
-              <a:rPr lang="en-US" sz="2500" dirty="0" smtClean="0"/>
-              <a:t>Worked with SQL to save information about books in the marketplace.</a:t>
+              <a:t> Worked with SQL to save information about books in the marketplace.</a:t>
             </a:r>
           </a:p>
           <a:p>
             <a:pPr marL="0" indent="0">
               <a:buNone/>
             </a:pPr>
-            <a:endParaRPr lang="en-US" sz="2500" dirty="0" smtClean="0"/>
+            <a:endParaRPr lang="en-US" sz="2500" dirty="0"/>
           </a:p>
           <a:p>
             <a:pPr marL="0" indent="0">
@@ -18119,7 +18054,7 @@
     </p:spTree>
     <p:extLst>
       <p:ext uri="{BB962C8B-B14F-4D97-AF65-F5344CB8AC3E}">
-        <p14:creationId xmlns:p14="http://schemas.microsoft.com/office/powerpoint/2010/main" xmlns="" val="957312796"/>
+        <p14:creationId xmlns:p14="http://schemas.microsoft.com/office/powerpoint/2010/main" val="957312796"/>
       </p:ext>
     </p:extLst>
   </p:cSld>
@@ -18129,13 +18064,6 @@
   <p:transition spd="slow">
     <p:cover/>
   </p:transition>
-  <p:timing>
-    <p:tnLst>
-      <p:par>
-        <p:cTn id="1" dur="indefinite" restart="never" nodeType="tmRoot"/>
-      </p:par>
-    </p:tnLst>
-  </p:timing>
 </p:sld>
 </file>
 
@@ -18172,10 +18100,9 @@
           <a:lstStyle/>
           <a:p>
             <a:r>
-              <a:rPr lang="en-US" b="1" dirty="0" smtClean="0"/>
+              <a:rPr lang="en-US" b="1" dirty="0"/>
               <a:t>JISHNU PRADEEP</a:t>
             </a:r>
-            <a:endParaRPr lang="en-US" b="1" dirty="0"/>
           </a:p>
         </p:txBody>
       </p:sp>
@@ -18202,29 +18129,28 @@
           <a:lstStyle/>
           <a:p>
             <a:r>
-              <a:rPr lang="en-US" sz="2500" dirty="0" smtClean="0"/>
+              <a:rPr lang="en-US" sz="2500" dirty="0"/>
               <a:t>Designed User Interface and layouts for the application. Created mockups and overall UX Design. Optimized UI for faster performance. </a:t>
             </a:r>
           </a:p>
           <a:p>
             <a:r>
-              <a:rPr lang="en-US" sz="2500" dirty="0" smtClean="0"/>
+              <a:rPr lang="en-US" sz="2500" dirty="0"/>
               <a:t>Coding for Splash screen. </a:t>
             </a:r>
           </a:p>
           <a:p>
             <a:r>
-              <a:rPr lang="en-US" sz="2500" dirty="0" smtClean="0"/>
+              <a:rPr lang="en-US" sz="2500" dirty="0"/>
               <a:t>Designed logo/icons used in application + marketing material. </a:t>
             </a:r>
-            <a:endParaRPr lang="en-US" sz="2500" dirty="0"/>
           </a:p>
         </p:txBody>
       </p:sp>
     </p:spTree>
     <p:extLst>
       <p:ext uri="{BB962C8B-B14F-4D97-AF65-F5344CB8AC3E}">
-        <p14:creationId xmlns:p14="http://schemas.microsoft.com/office/powerpoint/2010/main" xmlns="" val="1604149075"/>
+        <p14:creationId xmlns:p14="http://schemas.microsoft.com/office/powerpoint/2010/main" val="1604149075"/>
       </p:ext>
     </p:extLst>
   </p:cSld>
@@ -18234,13 +18160,6 @@
   <p:transition spd="slow">
     <p:cover/>
   </p:transition>
-  <p:timing>
-    <p:tnLst>
-      <p:par>
-        <p:cTn id="1" dur="indefinite" restart="never" nodeType="tmRoot"/>
-      </p:par>
-    </p:tnLst>
-  </p:timing>
 </p:sld>
 </file>
 
@@ -18277,10 +18196,9 @@
           <a:lstStyle/>
           <a:p>
             <a:r>
-              <a:rPr lang="en-US" b="1" dirty="0" smtClean="0"/>
+              <a:rPr lang="en-US" b="1" dirty="0"/>
               <a:t>VENKATESH TAHILIANI </a:t>
             </a:r>
-            <a:endParaRPr lang="en-US" b="1" dirty="0"/>
           </a:p>
         </p:txBody>
       </p:sp>
@@ -18307,23 +18225,22 @@
           <a:lstStyle/>
           <a:p>
             <a:r>
-              <a:rPr lang="en-US" sz="2800" dirty="0" smtClean="0"/>
+              <a:rPr lang="en-US" sz="2800" dirty="0"/>
               <a:t>Coding for login and registration elements of the application.</a:t>
             </a:r>
           </a:p>
           <a:p>
             <a:r>
-              <a:rPr lang="en-US" sz="2800" dirty="0" smtClean="0"/>
+              <a:rPr lang="en-US" sz="2800" dirty="0"/>
               <a:t>Worked with MySQL and MongoDB for storage of user information such as profile containing user information and photo</a:t>
             </a:r>
-            <a:endParaRPr lang="en-US" sz="2800" dirty="0"/>
           </a:p>
         </p:txBody>
       </p:sp>
     </p:spTree>
     <p:extLst>
       <p:ext uri="{BB962C8B-B14F-4D97-AF65-F5344CB8AC3E}">
-        <p14:creationId xmlns:p14="http://schemas.microsoft.com/office/powerpoint/2010/main" xmlns="" val="95577202"/>
+        <p14:creationId xmlns:p14="http://schemas.microsoft.com/office/powerpoint/2010/main" val="95577202"/>
       </p:ext>
     </p:extLst>
   </p:cSld>
@@ -18333,13 +18250,6 @@
   <p:transition spd="slow">
     <p:cover/>
   </p:transition>
-  <p:timing>
-    <p:tnLst>
-      <p:par>
-        <p:cTn id="1" dur="indefinite" restart="never" nodeType="tmRoot"/>
-      </p:par>
-    </p:tnLst>
-  </p:timing>
 </p:sld>
 </file>
 
@@ -18376,10 +18286,9 @@
           <a:lstStyle/>
           <a:p>
             <a:r>
-              <a:rPr lang="en-US" dirty="0" smtClean="0"/>
+              <a:rPr lang="en-US" dirty="0"/>
               <a:t>Future Enhancements </a:t>
             </a:r>
-            <a:endParaRPr lang="en-US" dirty="0"/>
           </a:p>
         </p:txBody>
       </p:sp>
@@ -18406,25 +18315,25 @@
           <a:lstStyle/>
           <a:p>
             <a:r>
-              <a:rPr lang="en-US" sz="2000" dirty="0" smtClean="0"/>
+              <a:rPr lang="en-US" sz="2000" dirty="0"/>
               <a:t>The ability to pay for books through the application using Credit/Debit Cards or PayPal.</a:t>
             </a:r>
           </a:p>
           <a:p>
             <a:r>
-              <a:rPr lang="en-US" sz="2000" dirty="0" smtClean="0"/>
+              <a:rPr lang="en-US" sz="2000" dirty="0"/>
               <a:t>Integrating local community marketplaces around Illinois Institute of Technology with our app.</a:t>
             </a:r>
           </a:p>
           <a:p>
             <a:r>
-              <a:rPr lang="en-US" sz="2000" dirty="0" smtClean="0"/>
+              <a:rPr lang="en-US" sz="2000" dirty="0"/>
               <a:t>Direct messaging option between buyers and sellers.</a:t>
             </a:r>
           </a:p>
           <a:p>
             <a:r>
-              <a:rPr lang="en-US" sz="2000" dirty="0" smtClean="0"/>
+              <a:rPr lang="en-US" sz="2000" dirty="0"/>
               <a:t>Extend the applications to a broader markets where students could sell any used items, not just books. </a:t>
             </a:r>
           </a:p>
@@ -18445,7 +18354,7 @@
           <a:blip r:embed="rId2">
             <a:extLst>
               <a:ext uri="{28A0092B-C50C-407E-A947-70E740481C1C}">
-                <a14:useLocalDpi xmlns:a14="http://schemas.microsoft.com/office/drawing/2010/main" xmlns="" val="0"/>
+                <a14:useLocalDpi xmlns:a14="http://schemas.microsoft.com/office/drawing/2010/main" val="0"/>
               </a:ext>
             </a:extLst>
           </a:blip>
@@ -18465,7 +18374,7 @@
     </p:spTree>
     <p:extLst>
       <p:ext uri="{BB962C8B-B14F-4D97-AF65-F5344CB8AC3E}">
-        <p14:creationId xmlns:p14="http://schemas.microsoft.com/office/powerpoint/2010/main" xmlns="" val="1477466667"/>
+        <p14:creationId xmlns:p14="http://schemas.microsoft.com/office/powerpoint/2010/main" val="1477466667"/>
       </p:ext>
     </p:extLst>
   </p:cSld>
@@ -18475,13 +18384,6 @@
   <p:transition spd="slow">
     <p:cover/>
   </p:transition>
-  <p:timing>
-    <p:tnLst>
-      <p:par>
-        <p:cTn id="1" dur="indefinite" restart="never" nodeType="tmRoot"/>
-      </p:par>
-    </p:tnLst>
-  </p:timing>
 </p:sld>
 </file>
 
@@ -18518,10 +18420,9 @@
           <a:lstStyle/>
           <a:p>
             <a:r>
-              <a:rPr lang="en-US" b="1" dirty="0" smtClean="0"/>
+              <a:rPr lang="en-US" b="1" dirty="0"/>
               <a:t>USER GUIDE</a:t>
             </a:r>
-            <a:endParaRPr lang="en-US" b="1" dirty="0"/>
           </a:p>
         </p:txBody>
       </p:sp>
@@ -18537,7 +18438,7 @@
           <a:blip r:embed="rId2">
             <a:extLst>
               <a:ext uri="{28A0092B-C50C-407E-A947-70E740481C1C}">
-                <a14:useLocalDpi xmlns:a14="http://schemas.microsoft.com/office/drawing/2010/main" xmlns="" val="0"/>
+                <a14:useLocalDpi xmlns:a14="http://schemas.microsoft.com/office/drawing/2010/main" val="0"/>
               </a:ext>
             </a:extLst>
           </a:blip>
@@ -18566,7 +18467,7 @@
           <a:blip r:embed="rId3">
             <a:extLst>
               <a:ext uri="{28A0092B-C50C-407E-A947-70E740481C1C}">
-                <a14:useLocalDpi xmlns:a14="http://schemas.microsoft.com/office/drawing/2010/main" xmlns="" val="0"/>
+                <a14:useLocalDpi xmlns:a14="http://schemas.microsoft.com/office/drawing/2010/main" val="0"/>
               </a:ext>
             </a:extLst>
           </a:blip>
@@ -18587,7 +18488,7 @@
     </p:spTree>
     <p:extLst>
       <p:ext uri="{BB962C8B-B14F-4D97-AF65-F5344CB8AC3E}">
-        <p14:creationId xmlns:p14="http://schemas.microsoft.com/office/powerpoint/2010/main" xmlns="" val="1643741026"/>
+        <p14:creationId xmlns:p14="http://schemas.microsoft.com/office/powerpoint/2010/main" val="1643741026"/>
       </p:ext>
     </p:extLst>
   </p:cSld>
@@ -18597,13 +18498,6 @@
   <p:transition spd="slow">
     <p:cover/>
   </p:transition>
-  <p:timing>
-    <p:tnLst>
-      <p:par>
-        <p:cTn id="1" dur="indefinite" restart="never" nodeType="tmRoot"/>
-      </p:par>
-    </p:tnLst>
-  </p:timing>
 </p:sld>
 </file>
 
@@ -18640,10 +18534,9 @@
           <a:lstStyle/>
           <a:p>
             <a:r>
-              <a:rPr lang="en-US" dirty="0" smtClean="0"/>
+              <a:rPr lang="en-US" dirty="0"/>
               <a:t>1. Login</a:t>
             </a:r>
-            <a:endParaRPr lang="en-US" dirty="0"/>
           </a:p>
         </p:txBody>
       </p:sp>
@@ -18670,14 +18563,14 @@
           <a:effectLst/>
           <a:extLst>
             <a:ext uri="{909E8E84-426E-40DD-AFC4-6F175D3DCCD1}">
-              <a14:hiddenFill xmlns:a14="http://schemas.microsoft.com/office/drawing/2010/main" xmlns="">
+              <a14:hiddenFill xmlns:a14="http://schemas.microsoft.com/office/drawing/2010/main">
                 <a:solidFill>
                   <a:schemeClr val="accent1"/>
                 </a:solidFill>
               </a14:hiddenFill>
             </a:ext>
             <a:ext uri="{91240B29-F687-4F45-9708-019B960494DF}">
-              <a14:hiddenLine xmlns:a14="http://schemas.microsoft.com/office/drawing/2010/main" xmlns="" w="9525">
+              <a14:hiddenLine xmlns:a14="http://schemas.microsoft.com/office/drawing/2010/main" w="9525">
                 <a:solidFill>
                   <a:schemeClr val="tx1"/>
                 </a:solidFill>
@@ -18687,7 +18580,7 @@
               </a14:hiddenLine>
             </a:ext>
             <a:ext uri="{AF507438-7753-43E0-B8FC-AC1667EBCBE1}">
-              <a14:hiddenEffects xmlns:a14="http://schemas.microsoft.com/office/drawing/2010/main" xmlns="">
+              <a14:hiddenEffects xmlns:a14="http://schemas.microsoft.com/office/drawing/2010/main">
                 <a:effectLst>
                   <a:outerShdw blurRad="63500" dist="38099" dir="2700000" algn="ctr" rotWithShape="0">
                     <a:schemeClr val="bg2">
@@ -18725,7 +18618,7 @@
               <a:tabLst/>
             </a:pPr>
             <a:r>
-              <a:rPr kumimoji="0" lang="en-US" altLang="en-US" sz="2400" i="0" u="none" strike="noStrike" cap="none" normalizeH="0" baseline="0" dirty="0" smtClean="0">
+              <a:rPr kumimoji="0" lang="en-US" altLang="en-US" sz="2400" i="0" u="none" strike="noStrike" cap="none" normalizeH="0" baseline="0" dirty="0">
                 <a:ln>
                   <a:noFill/>
                 </a:ln>
@@ -18740,7 +18633,7 @@
               <a:t>Log</a:t>
             </a:r>
             <a:r>
-              <a:rPr lang="en-US" altLang="en-US" sz="2400" dirty="0" smtClean="0">
+              <a:rPr lang="en-US" altLang="en-US" sz="2400" dirty="0">
                 <a:latin typeface="Century Gothic" charset="0"/>
                 <a:ea typeface="Century Gothic" charset="0"/>
                 <a:cs typeface="Century Gothic" charset="0"/>
@@ -18766,21 +18659,6 @@
               <a:tabLst/>
             </a:pPr>
             <a:r>
-              <a:rPr kumimoji="0" lang="en-US" altLang="en-US" sz="2400" i="0" u="none" strike="noStrike" cap="none" normalizeH="0" baseline="0" dirty="0" smtClean="0">
-                <a:ln>
-                  <a:noFill/>
-                </a:ln>
-                <a:solidFill>
-                  <a:schemeClr val="tx1"/>
-                </a:solidFill>
-                <a:effectLst/>
-                <a:latin typeface="Century Gothic" charset="0"/>
-                <a:ea typeface="Century Gothic" charset="0"/>
-                <a:cs typeface="Century Gothic" charset="0"/>
-              </a:rPr>
-              <a:t>If </a:t>
-            </a:r>
-            <a:r>
               <a:rPr kumimoji="0" lang="en-US" altLang="en-US" sz="2400" i="0" u="none" strike="noStrike" cap="none" normalizeH="0" baseline="0" dirty="0">
                 <a:ln>
                   <a:noFill/>
@@ -18793,35 +18671,8 @@
                 <a:ea typeface="Century Gothic" charset="0"/>
                 <a:cs typeface="Century Gothic" charset="0"/>
               </a:rPr>
-              <a:t>you are a new user, </a:t>
-            </a:r>
-            <a:r>
-              <a:rPr kumimoji="0" lang="en-US" altLang="en-US" sz="2400" i="0" u="none" strike="noStrike" cap="none" normalizeH="0" baseline="0" dirty="0" smtClean="0">
-                <a:ln>
-                  <a:noFill/>
-                </a:ln>
-                <a:solidFill>
-                  <a:schemeClr val="tx1"/>
-                </a:solidFill>
-                <a:effectLst/>
-                <a:latin typeface="Century Gothic" charset="0"/>
-                <a:ea typeface="Century Gothic" charset="0"/>
-                <a:cs typeface="Century Gothic" charset="0"/>
-              </a:rPr>
-              <a:t>click on </a:t>
-            </a:r>
-            <a:endParaRPr kumimoji="0" lang="en-US" altLang="en-US" sz="2400" i="0" u="none" strike="noStrike" cap="none" normalizeH="0" baseline="0" dirty="0">
-              <a:ln>
-                <a:noFill/>
-              </a:ln>
-              <a:solidFill>
-                <a:schemeClr val="tx1"/>
-              </a:solidFill>
-              <a:effectLst/>
-              <a:latin typeface="Century Gothic" charset="0"/>
-              <a:ea typeface="Century Gothic" charset="0"/>
-              <a:cs typeface="Century Gothic" charset="0"/>
-            </a:endParaRPr>
+              <a:t>If you are a new user, click on </a:t>
+            </a:r>
           </a:p>
         </p:txBody>
       </p:sp>
@@ -18837,7 +18688,7 @@
           <a:blip r:embed="rId2">
             <a:extLst>
               <a:ext uri="{28A0092B-C50C-407E-A947-70E740481C1C}">
-                <a14:useLocalDpi xmlns:a14="http://schemas.microsoft.com/office/drawing/2010/main" xmlns="" val="0"/>
+                <a14:useLocalDpi xmlns:a14="http://schemas.microsoft.com/office/drawing/2010/main" val="0"/>
               </a:ext>
             </a:extLst>
           </a:blip>
@@ -18862,7 +18713,7 @@
           </a:ln>
           <a:extLst>
             <a:ext uri="{909E8E84-426E-40DD-AFC4-6F175D3DCCD1}">
-              <a14:hiddenFill xmlns:a14="http://schemas.microsoft.com/office/drawing/2010/main" xmlns="">
+              <a14:hiddenFill xmlns:a14="http://schemas.microsoft.com/office/drawing/2010/main">
                 <a:solidFill>
                   <a:srgbClr val="FFFFFF"/>
                 </a:solidFill>
@@ -18894,14 +18745,14 @@
           <a:effectLst/>
           <a:extLst>
             <a:ext uri="{909E8E84-426E-40DD-AFC4-6F175D3DCCD1}">
-              <a14:hiddenFill xmlns:a14="http://schemas.microsoft.com/office/drawing/2010/main" xmlns="">
+              <a14:hiddenFill xmlns:a14="http://schemas.microsoft.com/office/drawing/2010/main">
                 <a:solidFill>
                   <a:schemeClr val="accent1"/>
                 </a:solidFill>
               </a14:hiddenFill>
             </a:ext>
             <a:ext uri="{91240B29-F687-4F45-9708-019B960494DF}">
-              <a14:hiddenLine xmlns:a14="http://schemas.microsoft.com/office/drawing/2010/main" xmlns="" w="9525">
+              <a14:hiddenLine xmlns:a14="http://schemas.microsoft.com/office/drawing/2010/main" w="9525">
                 <a:solidFill>
                   <a:schemeClr val="tx1"/>
                 </a:solidFill>
@@ -18911,7 +18762,7 @@
               </a14:hiddenLine>
             </a:ext>
             <a:ext uri="{AF507438-7753-43E0-B8FC-AC1667EBCBE1}">
-              <a14:hiddenEffects xmlns:a14="http://schemas.microsoft.com/office/drawing/2010/main" xmlns="">
+              <a14:hiddenEffects xmlns:a14="http://schemas.microsoft.com/office/drawing/2010/main">
                 <a:effectLst>
                   <a:outerShdw blurRad="63500" dist="38099" dir="2700000" algn="ctr" rotWithShape="0">
                     <a:schemeClr val="bg2">
@@ -18961,65 +18812,8 @@
                 <a:ea typeface="Century Gothic" charset="0"/>
                 <a:cs typeface="Century Gothic" charset="0"/>
               </a:rPr>
-              <a:t> </a:t>
-            </a:r>
-            <a:r>
-              <a:rPr kumimoji="0" lang="en-US" altLang="en-US" sz="2400" i="0" u="none" strike="noStrike" cap="none" normalizeH="0" baseline="0" dirty="0" smtClean="0">
-                <a:ln>
-                  <a:noFill/>
-                </a:ln>
-                <a:solidFill>
-                  <a:schemeClr val="tx1"/>
-                </a:solidFill>
-                <a:effectLst/>
-                <a:latin typeface="Century Gothic" charset="0"/>
-                <a:ea typeface="Century Gothic" charset="0"/>
-                <a:cs typeface="Century Gothic" charset="0"/>
-              </a:rPr>
-              <a:t>    to </a:t>
-            </a:r>
-            <a:r>
-              <a:rPr kumimoji="0" lang="en-US" altLang="en-US" sz="2400" i="0" u="none" strike="noStrike" cap="none" normalizeH="0" baseline="0" dirty="0">
-                <a:ln>
-                  <a:noFill/>
-                </a:ln>
-                <a:solidFill>
-                  <a:schemeClr val="tx1"/>
-                </a:solidFill>
-                <a:effectLst/>
-                <a:latin typeface="Century Gothic" charset="0"/>
-                <a:ea typeface="Century Gothic" charset="0"/>
-                <a:cs typeface="Century Gothic" charset="0"/>
-              </a:rPr>
-              <a:t>sign </a:t>
-            </a:r>
-            <a:r>
-              <a:rPr kumimoji="0" lang="en-US" altLang="en-US" sz="2400" i="0" u="none" strike="noStrike" cap="none" normalizeH="0" baseline="0" dirty="0" smtClean="0">
-                <a:ln>
-                  <a:noFill/>
-                </a:ln>
-                <a:solidFill>
-                  <a:schemeClr val="tx1"/>
-                </a:solidFill>
-                <a:effectLst/>
-                <a:latin typeface="Century Gothic" charset="0"/>
-                <a:ea typeface="Century Gothic" charset="0"/>
-                <a:cs typeface="Century Gothic" charset="0"/>
-              </a:rPr>
-              <a:t>up.</a:t>
-            </a:r>
-            <a:endParaRPr kumimoji="0" lang="en-US" altLang="en-US" sz="2400" i="0" u="none" strike="noStrike" cap="none" normalizeH="0" baseline="0" dirty="0">
-              <a:ln>
-                <a:noFill/>
-              </a:ln>
-              <a:solidFill>
-                <a:schemeClr val="tx1"/>
-              </a:solidFill>
-              <a:effectLst/>
-              <a:latin typeface="Century Gothic" charset="0"/>
-              <a:ea typeface="Century Gothic" charset="0"/>
-              <a:cs typeface="Century Gothic" charset="0"/>
-            </a:endParaRPr>
+              <a:t>     to sign up.</a:t>
+            </a:r>
           </a:p>
         </p:txBody>
       </p:sp>
@@ -19035,7 +18829,7 @@
           <a:blip r:embed="rId3">
             <a:extLst>
               <a:ext uri="{28A0092B-C50C-407E-A947-70E740481C1C}">
-                <a14:useLocalDpi xmlns:a14="http://schemas.microsoft.com/office/drawing/2010/main" xmlns="" val="0"/>
+                <a14:useLocalDpi xmlns:a14="http://schemas.microsoft.com/office/drawing/2010/main" val="0"/>
               </a:ext>
             </a:extLst>
           </a:blip>
@@ -19069,7 +18863,7 @@
     </p:spTree>
     <p:extLst>
       <p:ext uri="{BB962C8B-B14F-4D97-AF65-F5344CB8AC3E}">
-        <p14:creationId xmlns:p14="http://schemas.microsoft.com/office/powerpoint/2010/main" xmlns="" val="1483375873"/>
+        <p14:creationId xmlns:p14="http://schemas.microsoft.com/office/powerpoint/2010/main" val="1483375873"/>
       </p:ext>
     </p:extLst>
   </p:cSld>
@@ -19079,13 +18873,6 @@
   <p:transition spd="slow">
     <p:cover/>
   </p:transition>
-  <p:timing>
-    <p:tnLst>
-      <p:par>
-        <p:cTn id="1" dur="indefinite" restart="never" nodeType="tmRoot"/>
-      </p:par>
-    </p:tnLst>
-  </p:timing>
 </p:sld>
 </file>
 
@@ -19122,10 +18909,9 @@
           <a:lstStyle/>
           <a:p>
             <a:r>
-              <a:rPr lang="en-US" dirty="0" smtClean="0"/>
+              <a:rPr lang="en-US" dirty="0"/>
               <a:t>2. Sign Up</a:t>
             </a:r>
-            <a:endParaRPr lang="en-US" dirty="0"/>
           </a:p>
         </p:txBody>
       </p:sp>
@@ -19152,14 +18938,14 @@
           <a:effectLst/>
           <a:extLst>
             <a:ext uri="{909E8E84-426E-40DD-AFC4-6F175D3DCCD1}">
-              <a14:hiddenFill xmlns:a14="http://schemas.microsoft.com/office/drawing/2010/main" xmlns="">
+              <a14:hiddenFill xmlns:a14="http://schemas.microsoft.com/office/drawing/2010/main">
                 <a:solidFill>
                   <a:schemeClr val="accent1"/>
                 </a:solidFill>
               </a14:hiddenFill>
             </a:ext>
             <a:ext uri="{91240B29-F687-4F45-9708-019B960494DF}">
-              <a14:hiddenLine xmlns:a14="http://schemas.microsoft.com/office/drawing/2010/main" xmlns="" w="9525">
+              <a14:hiddenLine xmlns:a14="http://schemas.microsoft.com/office/drawing/2010/main" w="9525">
                 <a:solidFill>
                   <a:schemeClr val="tx1"/>
                 </a:solidFill>
@@ -19169,7 +18955,7 @@
               </a14:hiddenLine>
             </a:ext>
             <a:ext uri="{AF507438-7753-43E0-B8FC-AC1667EBCBE1}">
-              <a14:hiddenEffects xmlns:a14="http://schemas.microsoft.com/office/drawing/2010/main" xmlns="">
+              <a14:hiddenEffects xmlns:a14="http://schemas.microsoft.com/office/drawing/2010/main">
                 <a:effectLst>
                   <a:outerShdw blurRad="63500" dist="38099" dir="2700000" algn="ctr" rotWithShape="0">
                     <a:schemeClr val="bg2">
@@ -19216,27 +19002,12 @@
               <a:t>Fill out username, email and password in the </a:t>
             </a:r>
             <a:r>
-              <a:rPr lang="en-US" altLang="en-US" sz="2500" dirty="0" smtClean="0">
+              <a:rPr lang="en-US" altLang="en-US" sz="2500" dirty="0">
                 <a:latin typeface="Century Gothic" charset="0"/>
                 <a:ea typeface="Century Gothic" charset="0"/>
                 <a:cs typeface="Century Gothic" charset="0"/>
               </a:rPr>
               <a:t>corresponding</a:t>
-            </a:r>
-            <a:r>
-              <a:rPr kumimoji="0" lang="en-US" altLang="en-US" sz="2500" i="0" u="none" strike="noStrike" cap="none" normalizeH="0" baseline="0" dirty="0" smtClean="0">
-                <a:ln>
-                  <a:noFill/>
-                </a:ln>
-                <a:solidFill>
-                  <a:schemeClr val="tx1"/>
-                </a:solidFill>
-                <a:effectLst/>
-                <a:latin typeface="Century Gothic" charset="0"/>
-                <a:ea typeface="Century Gothic" charset="0"/>
-                <a:cs typeface="Century Gothic" charset="0"/>
-              </a:rPr>
-              <a:t> fields and </a:t>
             </a:r>
             <a:r>
               <a:rPr kumimoji="0" lang="en-US" altLang="en-US" sz="2500" i="0" u="none" strike="noStrike" cap="none" normalizeH="0" baseline="0" dirty="0">
@@ -19251,22 +19022,7 @@
                 <a:ea typeface="Century Gothic" charset="0"/>
                 <a:cs typeface="Century Gothic" charset="0"/>
               </a:rPr>
-              <a:t>click </a:t>
-            </a:r>
-            <a:r>
-              <a:rPr kumimoji="0" lang="en-US" altLang="en-US" sz="2500" i="0" u="none" strike="noStrike" cap="none" normalizeH="0" baseline="0" dirty="0" smtClean="0">
-                <a:ln>
-                  <a:noFill/>
-                </a:ln>
-                <a:solidFill>
-                  <a:schemeClr val="tx1"/>
-                </a:solidFill>
-                <a:effectLst/>
-                <a:latin typeface="Century Gothic" charset="0"/>
-                <a:ea typeface="Century Gothic" charset="0"/>
-                <a:cs typeface="Century Gothic" charset="0"/>
-              </a:rPr>
-              <a:t>on                        button.</a:t>
+              <a:t> fields and click on                        button.</a:t>
             </a:r>
             <a:endParaRPr lang="en-US" altLang="en-US" sz="2500" dirty="0">
               <a:latin typeface="Century Gothic" charset="0"/>
@@ -19284,7 +19040,7 @@
               </a:spcAft>
             </a:pPr>
             <a:r>
-              <a:rPr lang="en-US" altLang="en-US" sz="2500" dirty="0" smtClean="0">
+              <a:rPr lang="en-US" altLang="en-US" sz="2500" dirty="0">
                 <a:latin typeface="Century Gothic" charset="0"/>
                 <a:ea typeface="Century Gothic" charset="0"/>
                 <a:cs typeface="Century Gothic" charset="0"/>
@@ -19318,7 +19074,7 @@
           <a:blip r:embed="rId2">
             <a:extLst>
               <a:ext uri="{28A0092B-C50C-407E-A947-70E740481C1C}">
-                <a14:useLocalDpi xmlns:a14="http://schemas.microsoft.com/office/drawing/2010/main" xmlns="" val="0"/>
+                <a14:useLocalDpi xmlns:a14="http://schemas.microsoft.com/office/drawing/2010/main" val="0"/>
               </a:ext>
             </a:extLst>
           </a:blip>
@@ -19343,7 +19099,7 @@
           </a:ln>
           <a:extLst>
             <a:ext uri="{909E8E84-426E-40DD-AFC4-6F175D3DCCD1}">
-              <a14:hiddenFill xmlns:a14="http://schemas.microsoft.com/office/drawing/2010/main" xmlns="">
+              <a14:hiddenFill xmlns:a14="http://schemas.microsoft.com/office/drawing/2010/main">
                 <a:solidFill>
                   <a:srgbClr val="FFFFFF"/>
                 </a:solidFill>
@@ -19364,7 +19120,7 @@
           <a:blip r:embed="rId3">
             <a:extLst>
               <a:ext uri="{28A0092B-C50C-407E-A947-70E740481C1C}">
-                <a14:useLocalDpi xmlns:a14="http://schemas.microsoft.com/office/drawing/2010/main" xmlns="" val="0"/>
+                <a14:useLocalDpi xmlns:a14="http://schemas.microsoft.com/office/drawing/2010/main" val="0"/>
               </a:ext>
             </a:extLst>
           </a:blip>
@@ -19396,7 +19152,7 @@
     </p:spTree>
     <p:extLst>
       <p:ext uri="{BB962C8B-B14F-4D97-AF65-F5344CB8AC3E}">
-        <p14:creationId xmlns:p14="http://schemas.microsoft.com/office/powerpoint/2010/main" xmlns="" val="1169537711"/>
+        <p14:creationId xmlns:p14="http://schemas.microsoft.com/office/powerpoint/2010/main" val="1169537711"/>
       </p:ext>
     </p:extLst>
   </p:cSld>
@@ -19406,13 +19162,6 @@
   <p:transition spd="slow">
     <p:cover/>
   </p:transition>
-  <p:timing>
-    <p:tnLst>
-      <p:par>
-        <p:cTn id="1" dur="indefinite" restart="never" nodeType="tmRoot"/>
-      </p:par>
-    </p:tnLst>
-  </p:timing>
 </p:sld>
 </file>
 
@@ -19449,10 +19198,9 @@
           <a:lstStyle/>
           <a:p>
             <a:r>
-              <a:rPr lang="en-US" dirty="0" smtClean="0"/>
+              <a:rPr lang="en-US" dirty="0"/>
               <a:t>3. User profile</a:t>
             </a:r>
-            <a:endParaRPr lang="en-US" dirty="0"/>
           </a:p>
         </p:txBody>
       </p:sp>
@@ -19478,7 +19226,7 @@
           <a:lstStyle/>
           <a:p>
             <a:r>
-              <a:rPr lang="en-US" sz="2000" dirty="0" smtClean="0">
+              <a:rPr lang="en-US" sz="2000" dirty="0">
                 <a:effectLst/>
                 <a:latin typeface="Century Gothic" charset="0"/>
                 <a:ea typeface="Century Gothic" charset="0"/>
@@ -19493,7 +19241,7 @@
               <a:buChar char="•"/>
             </a:pPr>
             <a:r>
-              <a:rPr lang="en-US" sz="2000" b="1" dirty="0" smtClean="0">
+              <a:rPr lang="en-US" sz="2000" b="1" dirty="0">
                 <a:latin typeface="Century Gothic" charset="0"/>
                 <a:ea typeface="Century Gothic" charset="0"/>
                 <a:cs typeface="Century Gothic" charset="0"/>
@@ -19501,7 +19249,7 @@
               <a:t>F</a:t>
             </a:r>
             <a:r>
-              <a:rPr lang="en-US" sz="2000" b="1" dirty="0" smtClean="0">
+              <a:rPr lang="en-US" sz="2000" b="1" dirty="0">
                 <a:effectLst/>
                 <a:latin typeface="Century Gothic" charset="0"/>
                 <a:ea typeface="Century Gothic" charset="0"/>
@@ -19524,7 +19272,7 @@
               <a:t>P</a:t>
             </a:r>
             <a:r>
-              <a:rPr lang="en-US" sz="2000" b="1" dirty="0" smtClean="0">
+              <a:rPr lang="en-US" sz="2000" b="1" dirty="0">
                 <a:effectLst/>
                 <a:latin typeface="Century Gothic" charset="0"/>
                 <a:ea typeface="Century Gothic" charset="0"/>
@@ -19539,7 +19287,7 @@
               <a:buChar char="•"/>
             </a:pPr>
             <a:r>
-              <a:rPr lang="en-US" sz="2000" b="1" dirty="0" smtClean="0">
+              <a:rPr lang="en-US" sz="2000" b="1" dirty="0">
                 <a:latin typeface="Century Gothic" charset="0"/>
                 <a:ea typeface="Century Gothic" charset="0"/>
                 <a:cs typeface="Century Gothic" charset="0"/>
@@ -19547,7 +19295,7 @@
               <a:t>P</a:t>
             </a:r>
             <a:r>
-              <a:rPr lang="en-US" sz="2000" b="1" dirty="0" smtClean="0">
+              <a:rPr lang="en-US" sz="2000" b="1" dirty="0">
                 <a:effectLst/>
                 <a:latin typeface="Century Gothic" charset="0"/>
                 <a:ea typeface="Century Gothic" charset="0"/>
@@ -19562,7 +19310,7 @@
               <a:buChar char="•"/>
             </a:pPr>
             <a:r>
-              <a:rPr lang="en-US" sz="2000" b="1" dirty="0" smtClean="0">
+              <a:rPr lang="en-US" sz="2000" b="1" dirty="0">
                 <a:latin typeface="Century Gothic" charset="0"/>
                 <a:ea typeface="Century Gothic" charset="0"/>
                 <a:cs typeface="Century Gothic" charset="0"/>
@@ -19570,7 +19318,7 @@
               <a:t>M</a:t>
             </a:r>
             <a:r>
-              <a:rPr lang="en-US" sz="2000" b="1" dirty="0" smtClean="0">
+              <a:rPr lang="en-US" sz="2000" b="1" dirty="0">
                 <a:effectLst/>
                 <a:latin typeface="Century Gothic" charset="0"/>
                 <a:ea typeface="Century Gothic" charset="0"/>
@@ -19593,7 +19341,7 @@
               <a:t>S</a:t>
             </a:r>
             <a:r>
-              <a:rPr lang="en-US" sz="2000" b="1" dirty="0" smtClean="0">
+              <a:rPr lang="en-US" sz="2000" b="1" dirty="0">
                 <a:effectLst/>
                 <a:latin typeface="Century Gothic" charset="0"/>
                 <a:ea typeface="Century Gothic" charset="0"/>
@@ -19608,7 +19356,7 @@
               <a:buChar char="•"/>
             </a:pPr>
             <a:r>
-              <a:rPr lang="en-US" sz="2000" b="1" dirty="0" smtClean="0">
+              <a:rPr lang="en-US" sz="2000" b="1" dirty="0">
                 <a:latin typeface="Century Gothic" charset="0"/>
                 <a:ea typeface="Century Gothic" charset="0"/>
                 <a:cs typeface="Century Gothic" charset="0"/>
@@ -19616,7 +19364,7 @@
               <a:t>L</a:t>
             </a:r>
             <a:r>
-              <a:rPr lang="en-US" sz="2000" b="1" dirty="0" smtClean="0">
+              <a:rPr lang="en-US" sz="2000" b="1" dirty="0">
                 <a:effectLst/>
                 <a:latin typeface="Century Gothic" charset="0"/>
                 <a:ea typeface="Century Gothic" charset="0"/>
@@ -19627,7 +19375,7 @@
           </a:p>
           <a:p>
             <a:r>
-              <a:rPr lang="en-US" sz="2000" dirty="0" smtClean="0">
+              <a:rPr lang="en-US" sz="2000" dirty="0">
                 <a:latin typeface="Century Gothic" charset="0"/>
                 <a:ea typeface="Century Gothic" charset="0"/>
                 <a:cs typeface="Century Gothic" charset="0"/>
@@ -19635,7 +19383,7 @@
               <a:t>T</a:t>
             </a:r>
             <a:r>
-              <a:rPr lang="en-US" sz="2000" dirty="0" smtClean="0">
+              <a:rPr lang="en-US" sz="2000" dirty="0">
                 <a:effectLst/>
                 <a:latin typeface="Century Gothic" charset="0"/>
                 <a:ea typeface="Century Gothic" charset="0"/>
@@ -19663,7 +19411,7 @@
           <a:blip r:embed="rId2">
             <a:extLst>
               <a:ext uri="{28A0092B-C50C-407E-A947-70E740481C1C}">
-                <a14:useLocalDpi xmlns:a14="http://schemas.microsoft.com/office/drawing/2010/main" xmlns="" val="0"/>
+                <a14:useLocalDpi xmlns:a14="http://schemas.microsoft.com/office/drawing/2010/main" val="0"/>
               </a:ext>
             </a:extLst>
           </a:blip>
@@ -19697,7 +19445,7 @@
     </p:spTree>
     <p:extLst>
       <p:ext uri="{BB962C8B-B14F-4D97-AF65-F5344CB8AC3E}">
-        <p14:creationId xmlns:p14="http://schemas.microsoft.com/office/powerpoint/2010/main" xmlns="" val="1495125999"/>
+        <p14:creationId xmlns:p14="http://schemas.microsoft.com/office/powerpoint/2010/main" val="1495125999"/>
       </p:ext>
     </p:extLst>
   </p:cSld>
@@ -19707,13 +19455,6 @@
   <p:transition spd="slow">
     <p:cover/>
   </p:transition>
-  <p:timing>
-    <p:tnLst>
-      <p:par>
-        <p:cTn id="1" dur="indefinite" restart="never" nodeType="tmRoot"/>
-      </p:par>
-    </p:tnLst>
-  </p:timing>
 </p:sld>
 </file>
 
@@ -19750,10 +19491,9 @@
           <a:lstStyle/>
           <a:p>
             <a:r>
-              <a:rPr lang="en-US" dirty="0" smtClean="0"/>
+              <a:rPr lang="en-US" dirty="0"/>
               <a:t>Team Members</a:t>
             </a:r>
-            <a:endParaRPr lang="en-US" dirty="0"/>
           </a:p>
         </p:txBody>
       </p:sp>
@@ -19778,34 +19518,26 @@
           <a:lstStyle/>
           <a:p>
             <a:r>
-              <a:rPr lang="en-US" sz="2800" dirty="0" smtClean="0"/>
+              <a:rPr lang="en-US" sz="2800" dirty="0"/>
               <a:t>Danna Liu (Project Head)</a:t>
             </a:r>
           </a:p>
           <a:p>
             <a:r>
-              <a:rPr lang="en-US" sz="2800" dirty="0" smtClean="0"/>
+              <a:rPr lang="en-US" sz="2800" dirty="0"/>
               <a:t>Ethan Cernok</a:t>
             </a:r>
           </a:p>
           <a:p>
             <a:r>
-              <a:rPr lang="en-US" sz="2800" dirty="0" smtClean="0"/>
+              <a:rPr lang="en-US" sz="2800" dirty="0"/>
               <a:t>Jishnu Pradeep</a:t>
             </a:r>
           </a:p>
           <a:p>
             <a:r>
-              <a:rPr lang="en-US" sz="2800" dirty="0" smtClean="0"/>
-              <a:t>Venkatesh </a:t>
-            </a:r>
-            <a:r>
               <a:rPr lang="en-US" sz="2800" dirty="0"/>
-              <a:t>Tahiliani</a:t>
-            </a:r>
-            <a:r>
-              <a:rPr lang="en-US" sz="2800" dirty="0" smtClean="0"/>
-              <a:t> </a:t>
+              <a:t>Venkatesh Tahiliani </a:t>
             </a:r>
           </a:p>
           <a:p>
@@ -19816,7 +19548,7 @@
     </p:spTree>
     <p:extLst>
       <p:ext uri="{BB962C8B-B14F-4D97-AF65-F5344CB8AC3E}">
-        <p14:creationId xmlns:p14="http://schemas.microsoft.com/office/powerpoint/2010/main" xmlns="" val="530863803"/>
+        <p14:creationId xmlns:p14="http://schemas.microsoft.com/office/powerpoint/2010/main" val="530863803"/>
       </p:ext>
     </p:extLst>
   </p:cSld>
@@ -19826,13 +19558,6 @@
   <p:transition spd="slow">
     <p:cover/>
   </p:transition>
-  <p:timing>
-    <p:tnLst>
-      <p:par>
-        <p:cTn id="1" dur="indefinite" restart="never" nodeType="tmRoot"/>
-      </p:par>
-    </p:tnLst>
-  </p:timing>
 </p:sld>
 </file>
 
@@ -19869,18 +19594,9 @@
           <a:lstStyle/>
           <a:p>
             <a:r>
-              <a:rPr lang="en-US" dirty="0" smtClean="0"/>
-              <a:t>4</a:t>
-            </a:r>
-            <a:r>
-              <a:rPr lang="en-US" dirty="0" smtClean="0"/>
-              <a:t>. </a:t>
-            </a:r>
-            <a:r>
-              <a:rPr lang="en-US" dirty="0" smtClean="0"/>
-              <a:t>Post Book </a:t>
-            </a:r>
-            <a:endParaRPr lang="en-US" dirty="0"/>
+              <a:rPr lang="en-US" dirty="0"/>
+              <a:t>4. Post Book </a:t>
+            </a:r>
           </a:p>
         </p:txBody>
       </p:sp>
@@ -19907,38 +19623,14 @@
           <a:lstStyle/>
           <a:p>
             <a:r>
-              <a:rPr lang="en-US" sz="2000" dirty="0" smtClean="0"/>
-              <a:t>Clicking on               in </a:t>
-            </a:r>
-            <a:r>
               <a:rPr lang="en-US" sz="2000" dirty="0"/>
-              <a:t>the user profile </a:t>
-            </a:r>
-            <a:r>
-              <a:rPr lang="en-US" sz="2000" dirty="0" smtClean="0"/>
-              <a:t>screen brings you to this page.</a:t>
-            </a:r>
-          </a:p>
-          <a:p>
-            <a:r>
-              <a:rPr lang="en-US" sz="2000" dirty="0" smtClean="0"/>
-              <a:t>Fill </a:t>
-            </a:r>
+              <a:t>Clicking on               in the user profile screen brings you to this page.</a:t>
+            </a:r>
+          </a:p>
+          <a:p>
             <a:r>
               <a:rPr lang="en-US" sz="2000" dirty="0"/>
-              <a:t>out all information </a:t>
-            </a:r>
-            <a:r>
-              <a:rPr lang="en-US" sz="2000" dirty="0" smtClean="0"/>
-              <a:t>about the book you would like to sell </a:t>
-            </a:r>
-            <a:r>
-              <a:rPr lang="en-US" sz="2000" dirty="0"/>
-              <a:t>and </a:t>
-            </a:r>
-            <a:r>
-              <a:rPr lang="en-US" sz="2000" dirty="0" smtClean="0"/>
-              <a:t>click on           to add your book to the marketplace.</a:t>
+              <a:t>Fill out all information about the book you would like to sell and click on           to add your book to the marketplace.</a:t>
             </a:r>
             <a:endParaRPr lang="en-GB" sz="2000" dirty="0"/>
           </a:p>
@@ -19960,7 +19652,7 @@
           <a:blip r:embed="rId2">
             <a:extLst>
               <a:ext uri="{28A0092B-C50C-407E-A947-70E740481C1C}">
-                <a14:useLocalDpi xmlns:a14="http://schemas.microsoft.com/office/drawing/2010/main" xmlns="" val="0"/>
+                <a14:useLocalDpi xmlns:a14="http://schemas.microsoft.com/office/drawing/2010/main" val="0"/>
               </a:ext>
             </a:extLst>
           </a:blip>
@@ -20003,7 +19695,7 @@
           <a:blip r:embed="rId3">
             <a:extLst>
               <a:ext uri="{28A0092B-C50C-407E-A947-70E740481C1C}">
-                <a14:useLocalDpi xmlns:a14="http://schemas.microsoft.com/office/drawing/2010/main" xmlns="" val="0"/>
+                <a14:useLocalDpi xmlns:a14="http://schemas.microsoft.com/office/drawing/2010/main" val="0"/>
               </a:ext>
             </a:extLst>
           </a:blip>
@@ -20040,7 +19732,7 @@
           <a:blip r:embed="rId4">
             <a:extLst>
               <a:ext uri="{28A0092B-C50C-407E-A947-70E740481C1C}">
-                <a14:useLocalDpi xmlns:a14="http://schemas.microsoft.com/office/drawing/2010/main" xmlns="" val="0"/>
+                <a14:useLocalDpi xmlns:a14="http://schemas.microsoft.com/office/drawing/2010/main" val="0"/>
               </a:ext>
             </a:extLst>
           </a:blip>
@@ -20068,7 +19760,7 @@
     </p:spTree>
     <p:extLst>
       <p:ext uri="{BB962C8B-B14F-4D97-AF65-F5344CB8AC3E}">
-        <p14:creationId xmlns:p14="http://schemas.microsoft.com/office/powerpoint/2010/main" xmlns="" val="750394845"/>
+        <p14:creationId xmlns:p14="http://schemas.microsoft.com/office/powerpoint/2010/main" val="750394845"/>
       </p:ext>
     </p:extLst>
   </p:cSld>
@@ -20078,13 +19770,6 @@
   <p:transition spd="slow">
     <p:cover/>
   </p:transition>
-  <p:timing>
-    <p:tnLst>
-      <p:par>
-        <p:cTn id="1" dur="indefinite" restart="never" nodeType="tmRoot"/>
-      </p:par>
-    </p:tnLst>
-  </p:timing>
 </p:sld>
 </file>
 
@@ -20121,18 +19806,9 @@
           <a:lstStyle/>
           <a:p>
             <a:r>
-              <a:rPr lang="en-US" dirty="0" smtClean="0"/>
-              <a:t>5</a:t>
-            </a:r>
-            <a:r>
-              <a:rPr lang="en-US" dirty="0" smtClean="0"/>
-              <a:t>. </a:t>
-            </a:r>
-            <a:r>
-              <a:rPr lang="en-US" dirty="0" smtClean="0"/>
-              <a:t>Sale Record </a:t>
-            </a:r>
-            <a:endParaRPr lang="en-US" dirty="0"/>
+              <a:rPr lang="en-US" dirty="0"/>
+              <a:t>5. Sale Record </a:t>
+            </a:r>
           </a:p>
         </p:txBody>
       </p:sp>
@@ -20157,21 +19833,13 @@
           <a:lstStyle/>
           <a:p>
             <a:r>
-              <a:rPr lang="en-US" dirty="0" smtClean="0"/>
-              <a:t>Clicking on                        in </a:t>
-            </a:r>
-            <a:r>
               <a:rPr lang="en-US" dirty="0"/>
-              <a:t>the user profile </a:t>
-            </a:r>
-            <a:r>
-              <a:rPr lang="en-US" dirty="0" smtClean="0"/>
-              <a:t>screen takes you to this screen. </a:t>
-            </a:r>
-          </a:p>
-          <a:p>
-            <a:r>
-              <a:rPr lang="en-US" dirty="0" smtClean="0"/>
+              <a:t>Clicking on                        in the user profile screen takes you to this screen. </a:t>
+            </a:r>
+          </a:p>
+          <a:p>
+            <a:r>
+              <a:rPr lang="en-US" dirty="0"/>
               <a:t>Click on an item to view the sale details. </a:t>
             </a:r>
             <a:endParaRPr lang="en-GB" dirty="0"/>
@@ -20193,7 +19861,7 @@
           <a:blip r:embed="rId2">
             <a:extLst>
               <a:ext uri="{28A0092B-C50C-407E-A947-70E740481C1C}">
-                <a14:useLocalDpi xmlns:a14="http://schemas.microsoft.com/office/drawing/2010/main" xmlns="" val="0"/>
+                <a14:useLocalDpi xmlns:a14="http://schemas.microsoft.com/office/drawing/2010/main" val="0"/>
               </a:ext>
             </a:extLst>
           </a:blip>
@@ -20230,7 +19898,7 @@
           <a:blip r:embed="rId3">
             <a:extLst>
               <a:ext uri="{28A0092B-C50C-407E-A947-70E740481C1C}">
-                <a14:useLocalDpi xmlns:a14="http://schemas.microsoft.com/office/drawing/2010/main" xmlns="" val="0"/>
+                <a14:useLocalDpi xmlns:a14="http://schemas.microsoft.com/office/drawing/2010/main" val="0"/>
               </a:ext>
             </a:extLst>
           </a:blip>
@@ -20264,7 +19932,7 @@
     </p:spTree>
     <p:extLst>
       <p:ext uri="{BB962C8B-B14F-4D97-AF65-F5344CB8AC3E}">
-        <p14:creationId xmlns:p14="http://schemas.microsoft.com/office/powerpoint/2010/main" xmlns="" val="312102539"/>
+        <p14:creationId xmlns:p14="http://schemas.microsoft.com/office/powerpoint/2010/main" val="312102539"/>
       </p:ext>
     </p:extLst>
   </p:cSld>
@@ -20274,13 +19942,6 @@
   <p:transition spd="slow">
     <p:cover/>
   </p:transition>
-  <p:timing>
-    <p:tnLst>
-      <p:par>
-        <p:cTn id="1" dur="indefinite" restart="never" nodeType="tmRoot"/>
-      </p:par>
-    </p:tnLst>
-  </p:timing>
 </p:sld>
 </file>
 
@@ -20322,18 +19983,9 @@
           <a:lstStyle/>
           <a:p>
             <a:r>
-              <a:rPr lang="en-US" dirty="0" smtClean="0"/>
-              <a:t>6</a:t>
-            </a:r>
-            <a:r>
-              <a:rPr lang="en-US" dirty="0" smtClean="0"/>
-              <a:t>. </a:t>
-            </a:r>
-            <a:r>
-              <a:rPr lang="en-US" dirty="0" smtClean="0"/>
-              <a:t>Sale Details</a:t>
-            </a:r>
-            <a:endParaRPr lang="en-US" dirty="0"/>
+              <a:rPr lang="en-US" dirty="0"/>
+              <a:t>6. Sale Details</a:t>
+            </a:r>
           </a:p>
         </p:txBody>
       </p:sp>
@@ -20360,35 +20012,14 @@
           <a:lstStyle/>
           <a:p>
             <a:r>
-              <a:rPr lang="en-US" sz="2000" dirty="0" smtClean="0"/>
-              <a:t>Click on                        </a:t>
-            </a:r>
-            <a:r>
               <a:rPr lang="en-US" sz="2000" dirty="0"/>
-              <a:t>to </a:t>
-            </a:r>
-            <a:r>
-              <a:rPr lang="en-US" sz="2000" dirty="0" smtClean="0"/>
-              <a:t>confirm the </a:t>
-            </a:r>
+              <a:t>Click on                        to confirm the transaction. </a:t>
+            </a:r>
+          </a:p>
+          <a:p>
             <a:r>
               <a:rPr lang="en-US" sz="2000" dirty="0"/>
-              <a:t>transaction. </a:t>
-            </a:r>
-            <a:endParaRPr lang="en-US" sz="2000" dirty="0" smtClean="0"/>
-          </a:p>
-          <a:p>
-            <a:r>
-              <a:rPr lang="en-US" sz="2000" dirty="0" smtClean="0"/>
-              <a:t>Click on                to </a:t>
-            </a:r>
-            <a:r>
-              <a:rPr lang="en-US" sz="2000" dirty="0"/>
-              <a:t>remove </a:t>
-            </a:r>
-            <a:r>
-              <a:rPr lang="en-US" sz="2000" dirty="0" smtClean="0"/>
-              <a:t>the book from the marketplace.</a:t>
+              <a:t>Click on                to remove the book from the marketplace.</a:t>
             </a:r>
             <a:endParaRPr lang="en-GB" sz="2000" dirty="0"/>
           </a:p>
@@ -20409,7 +20040,7 @@
           <a:blip r:embed="rId2">
             <a:extLst>
               <a:ext uri="{28A0092B-C50C-407E-A947-70E740481C1C}">
-                <a14:useLocalDpi xmlns:a14="http://schemas.microsoft.com/office/drawing/2010/main" xmlns="" val="0"/>
+                <a14:useLocalDpi xmlns:a14="http://schemas.microsoft.com/office/drawing/2010/main" val="0"/>
               </a:ext>
             </a:extLst>
           </a:blip>
@@ -20450,7 +20081,7 @@
           <a:blip r:embed="rId3">
             <a:extLst>
               <a:ext uri="{28A0092B-C50C-407E-A947-70E740481C1C}">
-                <a14:useLocalDpi xmlns:a14="http://schemas.microsoft.com/office/drawing/2010/main" xmlns="" val="0"/>
+                <a14:useLocalDpi xmlns:a14="http://schemas.microsoft.com/office/drawing/2010/main" val="0"/>
               </a:ext>
             </a:extLst>
           </a:blip>
@@ -20491,7 +20122,7 @@
           <a:blip r:embed="rId4">
             <a:extLst>
               <a:ext uri="{28A0092B-C50C-407E-A947-70E740481C1C}">
-                <a14:useLocalDpi xmlns:a14="http://schemas.microsoft.com/office/drawing/2010/main" xmlns="" val="0"/>
+                <a14:useLocalDpi xmlns:a14="http://schemas.microsoft.com/office/drawing/2010/main" val="0"/>
               </a:ext>
             </a:extLst>
           </a:blip>
@@ -20528,7 +20159,7 @@
           <a:blip r:embed="rId5">
             <a:extLst>
               <a:ext uri="{28A0092B-C50C-407E-A947-70E740481C1C}">
-                <a14:useLocalDpi xmlns:a14="http://schemas.microsoft.com/office/drawing/2010/main" xmlns="" val="0"/>
+                <a14:useLocalDpi xmlns:a14="http://schemas.microsoft.com/office/drawing/2010/main" val="0"/>
               </a:ext>
             </a:extLst>
           </a:blip>
@@ -20556,7 +20187,7 @@
     </p:spTree>
     <p:extLst>
       <p:ext uri="{BB962C8B-B14F-4D97-AF65-F5344CB8AC3E}">
-        <p14:creationId xmlns:p14="http://schemas.microsoft.com/office/powerpoint/2010/main" xmlns="" val="1352306999"/>
+        <p14:creationId xmlns:p14="http://schemas.microsoft.com/office/powerpoint/2010/main" val="1352306999"/>
       </p:ext>
     </p:extLst>
   </p:cSld>
@@ -20566,13 +20197,6 @@
   <p:transition spd="slow">
     <p:cover/>
   </p:transition>
-  <p:timing>
-    <p:tnLst>
-      <p:par>
-        <p:cTn id="1" dur="indefinite" restart="never" nodeType="tmRoot"/>
-      </p:par>
-    </p:tnLst>
-  </p:timing>
 </p:sld>
 </file>
 
@@ -20609,18 +20233,9 @@
           <a:lstStyle/>
           <a:p>
             <a:r>
-              <a:rPr lang="en-US" dirty="0" smtClean="0"/>
-              <a:t>7</a:t>
-            </a:r>
-            <a:r>
-              <a:rPr lang="en-US" dirty="0" smtClean="0"/>
-              <a:t>. </a:t>
-            </a:r>
-            <a:r>
-              <a:rPr lang="en-US" dirty="0" smtClean="0"/>
-              <a:t>Repost to Market</a:t>
-            </a:r>
-            <a:endParaRPr lang="en-US" dirty="0"/>
+              <a:rPr lang="en-US" dirty="0"/>
+              <a:t>7. Repost to Market</a:t>
+            </a:r>
           </a:p>
         </p:txBody>
       </p:sp>
@@ -20645,16 +20260,8 @@
           <a:lstStyle/>
           <a:p>
             <a:r>
-              <a:rPr lang="en-US" dirty="0" smtClean="0"/>
-              <a:t>Click                            </a:t>
-            </a:r>
-            <a:r>
               <a:rPr lang="en-US" dirty="0"/>
-              <a:t>to repost the book </a:t>
-            </a:r>
-            <a:r>
-              <a:rPr lang="en-US" dirty="0" smtClean="0"/>
-              <a:t>to the marketplace.</a:t>
+              <a:t>Click                            to repost the book to the marketplace.</a:t>
             </a:r>
             <a:endParaRPr lang="en-GB" dirty="0"/>
           </a:p>
@@ -20673,7 +20280,7 @@
           <a:blip r:embed="rId2">
             <a:extLst>
               <a:ext uri="{28A0092B-C50C-407E-A947-70E740481C1C}">
-                <a14:useLocalDpi xmlns:a14="http://schemas.microsoft.com/office/drawing/2010/main" xmlns="" val="0"/>
+                <a14:useLocalDpi xmlns:a14="http://schemas.microsoft.com/office/drawing/2010/main" val="0"/>
               </a:ext>
             </a:extLst>
           </a:blip>
@@ -20710,7 +20317,7 @@
           <a:blip r:embed="rId3">
             <a:extLst>
               <a:ext uri="{28A0092B-C50C-407E-A947-70E740481C1C}">
-                <a14:useLocalDpi xmlns:a14="http://schemas.microsoft.com/office/drawing/2010/main" xmlns="" val="0"/>
+                <a14:useLocalDpi xmlns:a14="http://schemas.microsoft.com/office/drawing/2010/main" val="0"/>
               </a:ext>
             </a:extLst>
           </a:blip>
@@ -20744,7 +20351,7 @@
     </p:spTree>
     <p:extLst>
       <p:ext uri="{BB962C8B-B14F-4D97-AF65-F5344CB8AC3E}">
-        <p14:creationId xmlns:p14="http://schemas.microsoft.com/office/powerpoint/2010/main" xmlns="" val="1473159772"/>
+        <p14:creationId xmlns:p14="http://schemas.microsoft.com/office/powerpoint/2010/main" val="1473159772"/>
       </p:ext>
     </p:extLst>
   </p:cSld>
@@ -20754,13 +20361,6 @@
   <p:transition spd="slow">
     <p:cover/>
   </p:transition>
-  <p:timing>
-    <p:tnLst>
-      <p:par>
-        <p:cTn id="1" dur="indefinite" restart="never" nodeType="tmRoot"/>
-      </p:par>
-    </p:tnLst>
-  </p:timing>
 </p:sld>
 </file>
 
@@ -20797,18 +20397,9 @@
           <a:lstStyle/>
           <a:p>
             <a:r>
-              <a:rPr lang="en-US" dirty="0" smtClean="0"/>
-              <a:t>8</a:t>
-            </a:r>
-            <a:r>
-              <a:rPr lang="en-US" dirty="0" smtClean="0"/>
-              <a:t>. </a:t>
-            </a:r>
-            <a:r>
-              <a:rPr lang="en-US" dirty="0" smtClean="0"/>
-              <a:t>Feed</a:t>
-            </a:r>
-            <a:endParaRPr lang="en-US" dirty="0"/>
+              <a:rPr lang="en-US" dirty="0"/>
+              <a:t>8. Feed</a:t>
+            </a:r>
           </a:p>
         </p:txBody>
       </p:sp>
@@ -20824,7 +20415,7 @@
           <a:blip r:embed="rId2">
             <a:extLst>
               <a:ext uri="{28A0092B-C50C-407E-A947-70E740481C1C}">
-                <a14:useLocalDpi xmlns:a14="http://schemas.microsoft.com/office/drawing/2010/main" xmlns="" val="0"/>
+                <a14:useLocalDpi xmlns:a14="http://schemas.microsoft.com/office/drawing/2010/main" val="0"/>
               </a:ext>
             </a:extLst>
           </a:blip>
@@ -20882,24 +20473,8 @@
               <a:buChar char="•"/>
             </a:pPr>
             <a:r>
-              <a:rPr lang="en-US" dirty="0" smtClean="0"/>
-              <a:t>Clicking on                </a:t>
-            </a:r>
-            <a:r>
               <a:rPr lang="en-US" dirty="0"/>
-              <a:t>in the user profile page </a:t>
-            </a:r>
-            <a:r>
-              <a:rPr lang="en-US" dirty="0" smtClean="0"/>
-              <a:t>takes you to </a:t>
-            </a:r>
-            <a:r>
-              <a:rPr lang="en-US" dirty="0"/>
-              <a:t>this page</a:t>
-            </a:r>
-            <a:r>
-              <a:rPr lang="en-US" dirty="0" smtClean="0"/>
-              <a:t>.</a:t>
+              <a:t>Clicking on                in the user profile page takes you to this page.</a:t>
             </a:r>
           </a:p>
           <a:p>
@@ -20908,7 +20483,7 @@
               <a:buChar char="•"/>
             </a:pPr>
             <a:r>
-              <a:rPr lang="en-US" dirty="0" smtClean="0"/>
+              <a:rPr lang="en-US" dirty="0"/>
               <a:t>Use the search box to find the book you are looking for / choose any book from the grid.</a:t>
             </a:r>
           </a:p>
@@ -20926,7 +20501,7 @@
           <a:blip r:embed="rId3">
             <a:extLst>
               <a:ext uri="{28A0092B-C50C-407E-A947-70E740481C1C}">
-                <a14:useLocalDpi xmlns:a14="http://schemas.microsoft.com/office/drawing/2010/main" xmlns="" val="0"/>
+                <a14:useLocalDpi xmlns:a14="http://schemas.microsoft.com/office/drawing/2010/main" val="0"/>
               </a:ext>
             </a:extLst>
           </a:blip>
@@ -20952,7 +20527,7 @@
     </p:spTree>
     <p:extLst>
       <p:ext uri="{BB962C8B-B14F-4D97-AF65-F5344CB8AC3E}">
-        <p14:creationId xmlns:p14="http://schemas.microsoft.com/office/powerpoint/2010/main" xmlns="" val="1721708388"/>
+        <p14:creationId xmlns:p14="http://schemas.microsoft.com/office/powerpoint/2010/main" val="1721708388"/>
       </p:ext>
     </p:extLst>
   </p:cSld>
@@ -20962,13 +20537,6 @@
   <p:transition spd="slow">
     <p:cover/>
   </p:transition>
-  <p:timing>
-    <p:tnLst>
-      <p:par>
-        <p:cTn id="1" dur="indefinite" restart="never" nodeType="tmRoot"/>
-      </p:par>
-    </p:tnLst>
-  </p:timing>
 </p:sld>
 </file>
 
@@ -21010,18 +20578,9 @@
           <a:lstStyle/>
           <a:p>
             <a:r>
-              <a:rPr lang="en-US" dirty="0" smtClean="0"/>
-              <a:t>9</a:t>
-            </a:r>
-            <a:r>
-              <a:rPr lang="en-US" dirty="0" smtClean="0"/>
-              <a:t>. </a:t>
-            </a:r>
-            <a:r>
-              <a:rPr lang="en-US" dirty="0" smtClean="0"/>
-              <a:t>Book Detail</a:t>
-            </a:r>
-            <a:endParaRPr lang="en-US" dirty="0"/>
+              <a:rPr lang="en-US" dirty="0"/>
+              <a:t>9. Book Detail</a:t>
+            </a:r>
           </a:p>
         </p:txBody>
       </p:sp>
@@ -21048,19 +20607,19 @@
           <a:lstStyle/>
           <a:p>
             <a:r>
-              <a:rPr lang="en-US" sz="2000" dirty="0" smtClean="0"/>
+              <a:rPr lang="en-US" sz="2000" dirty="0"/>
               <a:t>All information regarding the book will be given here. It includes the Name, Edition, Author, Condition and Original Price of book.</a:t>
             </a:r>
           </a:p>
           <a:p>
             <a:r>
-              <a:rPr lang="en-US" sz="2000" dirty="0" smtClean="0"/>
+              <a:rPr lang="en-US" sz="2000" dirty="0"/>
               <a:t>You can also find the current bidding price of the book here. Enter a price above current bid if you are interested in buying this book. </a:t>
             </a:r>
           </a:p>
           <a:p>
             <a:r>
-              <a:rPr lang="en-US" sz="2000" dirty="0" smtClean="0"/>
+              <a:rPr lang="en-US" sz="2000" dirty="0"/>
               <a:t>If you are interested in buying the book for original price, click on </a:t>
             </a:r>
             <a:endParaRPr lang="en-GB" sz="2000" dirty="0"/>
@@ -21080,7 +20639,7 @@
           <a:blip r:embed="rId2">
             <a:extLst>
               <a:ext uri="{28A0092B-C50C-407E-A947-70E740481C1C}">
-                <a14:useLocalDpi xmlns:a14="http://schemas.microsoft.com/office/drawing/2010/main" xmlns="" val="0"/>
+                <a14:useLocalDpi xmlns:a14="http://schemas.microsoft.com/office/drawing/2010/main" val="0"/>
               </a:ext>
             </a:extLst>
           </a:blip>
@@ -21111,7 +20670,7 @@
           <a:blip r:embed="rId3">
             <a:extLst>
               <a:ext uri="{28A0092B-C50C-407E-A947-70E740481C1C}">
-                <a14:useLocalDpi xmlns:a14="http://schemas.microsoft.com/office/drawing/2010/main" xmlns="" val="0"/>
+                <a14:useLocalDpi xmlns:a14="http://schemas.microsoft.com/office/drawing/2010/main" val="0"/>
               </a:ext>
             </a:extLst>
           </a:blip>
@@ -21146,7 +20705,7 @@
           <a:blip r:embed="rId3">
             <a:extLst>
               <a:ext uri="{28A0092B-C50C-407E-A947-70E740481C1C}">
-                <a14:useLocalDpi xmlns:a14="http://schemas.microsoft.com/office/drawing/2010/main" xmlns="" val="0"/>
+                <a14:useLocalDpi xmlns:a14="http://schemas.microsoft.com/office/drawing/2010/main" val="0"/>
               </a:ext>
             </a:extLst>
           </a:blip>
@@ -21169,7 +20728,7 @@
           </a:ln>
           <a:extLst>
             <a:ext uri="{53640926-AAD7-44D8-BBD7-CCE9431645EC}">
-              <a14:shadowObscured xmlns:a14="http://schemas.microsoft.com/office/drawing/2010/main" xmlns=""/>
+              <a14:shadowObscured xmlns:a14="http://schemas.microsoft.com/office/drawing/2010/main"/>
             </a:ext>
           </a:extLst>
         </p:spPr>
@@ -21177,7 +20736,7 @@
     </p:spTree>
     <p:extLst>
       <p:ext uri="{BB962C8B-B14F-4D97-AF65-F5344CB8AC3E}">
-        <p14:creationId xmlns:p14="http://schemas.microsoft.com/office/powerpoint/2010/main" xmlns="" val="397405301"/>
+        <p14:creationId xmlns:p14="http://schemas.microsoft.com/office/powerpoint/2010/main" val="397405301"/>
       </p:ext>
     </p:extLst>
   </p:cSld>
@@ -21187,13 +20746,6 @@
   <p:transition spd="slow">
     <p:cover/>
   </p:transition>
-  <p:timing>
-    <p:tnLst>
-      <p:par>
-        <p:cTn id="1" dur="indefinite" restart="never" nodeType="tmRoot"/>
-      </p:par>
-    </p:tnLst>
-  </p:timing>
 </p:sld>
 </file>
 
@@ -21230,18 +20782,9 @@
           <a:lstStyle/>
           <a:p>
             <a:r>
-              <a:rPr lang="en-US" dirty="0" smtClean="0"/>
-              <a:t>10</a:t>
-            </a:r>
-            <a:r>
-              <a:rPr lang="en-US" dirty="0" smtClean="0"/>
-              <a:t>. </a:t>
-            </a:r>
-            <a:r>
-              <a:rPr lang="en-US" dirty="0" smtClean="0"/>
-              <a:t>Messages</a:t>
-            </a:r>
-            <a:endParaRPr lang="en-US" dirty="0"/>
+              <a:rPr lang="en-US" dirty="0"/>
+              <a:t>10. Messages</a:t>
+            </a:r>
           </a:p>
         </p:txBody>
       </p:sp>
@@ -21268,64 +20811,15 @@
           <a:lstStyle/>
           <a:p>
             <a:r>
-              <a:rPr lang="en-US" sz="2000" dirty="0" smtClean="0"/>
-              <a:t>Clicking on                   in </a:t>
-            </a:r>
-            <a:r>
               <a:rPr lang="en-US" sz="2000" dirty="0"/>
-              <a:t>the user profile </a:t>
-            </a:r>
-            <a:r>
-              <a:rPr lang="en-US" sz="2000" dirty="0" smtClean="0"/>
-              <a:t>screen takes you this screen. When you reserve </a:t>
-            </a:r>
+              <a:t>Clicking on                   in the user profile screen takes you this screen. When you reserve or win the bid for an item, you will receive a message here.</a:t>
+            </a:r>
+          </a:p>
+          <a:p>
             <a:r>
               <a:rPr lang="en-US" sz="2000" dirty="0"/>
-              <a:t>or </a:t>
-            </a:r>
-            <a:r>
-              <a:rPr lang="en-US" sz="2000" dirty="0" smtClean="0"/>
-              <a:t>win the </a:t>
-            </a:r>
-            <a:r>
-              <a:rPr lang="en-US" sz="2000" dirty="0"/>
-              <a:t>bid for </a:t>
-            </a:r>
-            <a:r>
-              <a:rPr lang="en-US" sz="2000" dirty="0" smtClean="0"/>
-              <a:t>an item</a:t>
-            </a:r>
-            <a:r>
-              <a:rPr lang="en-US" sz="2000" dirty="0"/>
-              <a:t>, you will receive a </a:t>
-            </a:r>
-            <a:r>
-              <a:rPr lang="en-US" sz="2000" dirty="0" smtClean="0"/>
-              <a:t>message</a:t>
-            </a:r>
-            <a:r>
-              <a:rPr lang="en-US" sz="2000" dirty="0"/>
-              <a:t> </a:t>
-            </a:r>
-            <a:r>
-              <a:rPr lang="en-US" sz="2000" dirty="0" smtClean="0"/>
-              <a:t>here.</a:t>
-            </a:r>
-          </a:p>
-          <a:p>
-            <a:r>
-              <a:rPr lang="en-US" sz="2000" dirty="0" smtClean="0"/>
-              <a:t>Clicking on a </a:t>
-            </a:r>
-            <a:r>
-              <a:rPr lang="en-US" sz="2000" dirty="0"/>
-              <a:t>message will </a:t>
-            </a:r>
-            <a:r>
-              <a:rPr lang="en-US" sz="2000" dirty="0" smtClean="0"/>
-              <a:t>show your more details about it.</a:t>
-            </a:r>
-            <a:endParaRPr lang="en-US" sz="2000" dirty="0"/>
+              <a:t>Clicking on a message will show your more details about it.</a:t>
+            </a:r>
           </a:p>
         </p:txBody>
       </p:sp>
@@ -21339,7 +20833,7 @@
           <a:blip r:embed="rId2">
             <a:extLst>
               <a:ext uri="{28A0092B-C50C-407E-A947-70E740481C1C}">
-                <a14:useLocalDpi xmlns:a14="http://schemas.microsoft.com/office/drawing/2010/main" xmlns="" val="0"/>
+                <a14:useLocalDpi xmlns:a14="http://schemas.microsoft.com/office/drawing/2010/main" val="0"/>
               </a:ext>
             </a:extLst>
           </a:blip>
@@ -21382,7 +20876,7 @@
           <a:blip r:embed="rId3">
             <a:extLst>
               <a:ext uri="{28A0092B-C50C-407E-A947-70E740481C1C}">
-                <a14:useLocalDpi xmlns:a14="http://schemas.microsoft.com/office/drawing/2010/main" xmlns="" val="0"/>
+                <a14:useLocalDpi xmlns:a14="http://schemas.microsoft.com/office/drawing/2010/main" val="0"/>
               </a:ext>
             </a:extLst>
           </a:blip>
@@ -21410,7 +20904,7 @@
     </p:spTree>
     <p:extLst>
       <p:ext uri="{BB962C8B-B14F-4D97-AF65-F5344CB8AC3E}">
-        <p14:creationId xmlns:p14="http://schemas.microsoft.com/office/powerpoint/2010/main" xmlns="" val="622575291"/>
+        <p14:creationId xmlns:p14="http://schemas.microsoft.com/office/powerpoint/2010/main" val="622575291"/>
       </p:ext>
     </p:extLst>
   </p:cSld>
@@ -21420,13 +20914,6 @@
   <p:transition spd="slow">
     <p:cover/>
   </p:transition>
-  <p:timing>
-    <p:tnLst>
-      <p:par>
-        <p:cTn id="1" dur="indefinite" restart="never" nodeType="tmRoot"/>
-      </p:par>
-    </p:tnLst>
-  </p:timing>
 </p:sld>
 </file>
 
@@ -21463,18 +20950,9 @@
           <a:lstStyle/>
           <a:p>
             <a:r>
-              <a:rPr lang="en-US" dirty="0" smtClean="0"/>
-              <a:t>11</a:t>
-            </a:r>
-            <a:r>
-              <a:rPr lang="en-US" dirty="0" smtClean="0"/>
-              <a:t>. </a:t>
-            </a:r>
-            <a:r>
-              <a:rPr lang="en-US" dirty="0" smtClean="0"/>
-              <a:t>Message Details</a:t>
-            </a:r>
-            <a:endParaRPr lang="en-US" dirty="0"/>
+              <a:rPr lang="en-US" dirty="0"/>
+              <a:t>11. Message Details</a:t>
+            </a:r>
           </a:p>
         </p:txBody>
       </p:sp>
@@ -21501,35 +20979,14 @@
           <a:lstStyle/>
           <a:p>
             <a:r>
-              <a:rPr lang="en-US" sz="2000" dirty="0" smtClean="0"/>
-              <a:t>Click on                  to </a:t>
-            </a:r>
-            <a:r>
               <a:rPr lang="en-US" sz="2000" dirty="0"/>
-              <a:t>contact seller by email. </a:t>
-            </a:r>
-            <a:endParaRPr lang="en-US" sz="2000" dirty="0" smtClean="0"/>
-          </a:p>
-          <a:p>
-            <a:r>
-              <a:rPr lang="en-US" sz="2000" dirty="0" smtClean="0"/>
-              <a:t>Or</a:t>
-            </a:r>
+              <a:t>Click on                  to contact seller by email. </a:t>
+            </a:r>
+          </a:p>
+          <a:p>
             <a:r>
               <a:rPr lang="en-US" sz="2000" dirty="0"/>
-              <a:t>, Click </a:t>
-            </a:r>
-            <a:r>
-              <a:rPr lang="en-US" sz="2000" dirty="0" smtClean="0"/>
-              <a:t>on                    to </a:t>
-            </a:r>
-            <a:r>
-              <a:rPr lang="en-US" sz="2000" dirty="0"/>
-              <a:t>cancel </a:t>
-            </a:r>
-            <a:r>
-              <a:rPr lang="en-US" sz="2000" dirty="0" smtClean="0"/>
-              <a:t>the reservation for your book.</a:t>
+              <a:t>Or, Click on                    to cancel the reservation for your book.</a:t>
             </a:r>
             <a:endParaRPr lang="en-GB" sz="2000" dirty="0"/>
           </a:p>
@@ -21545,7 +21002,7 @@
           <a:blip r:embed="rId2">
             <a:extLst>
               <a:ext uri="{28A0092B-C50C-407E-A947-70E740481C1C}">
-                <a14:useLocalDpi xmlns:a14="http://schemas.microsoft.com/office/drawing/2010/main" xmlns="" val="0"/>
+                <a14:useLocalDpi xmlns:a14="http://schemas.microsoft.com/office/drawing/2010/main" val="0"/>
               </a:ext>
             </a:extLst>
           </a:blip>
@@ -21588,7 +21045,7 @@
           <a:blip r:embed="rId3">
             <a:extLst>
               <a:ext uri="{28A0092B-C50C-407E-A947-70E740481C1C}">
-                <a14:useLocalDpi xmlns:a14="http://schemas.microsoft.com/office/drawing/2010/main" xmlns="" val="0"/>
+                <a14:useLocalDpi xmlns:a14="http://schemas.microsoft.com/office/drawing/2010/main" val="0"/>
               </a:ext>
             </a:extLst>
           </a:blip>
@@ -21623,7 +21080,7 @@
           <a:blip r:embed="rId4">
             <a:extLst>
               <a:ext uri="{28A0092B-C50C-407E-A947-70E740481C1C}">
-                <a14:useLocalDpi xmlns:a14="http://schemas.microsoft.com/office/drawing/2010/main" xmlns="" val="0"/>
+                <a14:useLocalDpi xmlns:a14="http://schemas.microsoft.com/office/drawing/2010/main" val="0"/>
               </a:ext>
             </a:extLst>
           </a:blip>
@@ -21651,7 +21108,7 @@
     </p:spTree>
     <p:extLst>
       <p:ext uri="{BB962C8B-B14F-4D97-AF65-F5344CB8AC3E}">
-        <p14:creationId xmlns:p14="http://schemas.microsoft.com/office/powerpoint/2010/main" xmlns="" val="1569226587"/>
+        <p14:creationId xmlns:p14="http://schemas.microsoft.com/office/powerpoint/2010/main" val="1569226587"/>
       </p:ext>
     </p:extLst>
   </p:cSld>
@@ -21661,13 +21118,6 @@
   <p:transition spd="slow">
     <p:cover/>
   </p:transition>
-  <p:timing>
-    <p:tnLst>
-      <p:par>
-        <p:cTn id="1" dur="indefinite" restart="never" nodeType="tmRoot"/>
-      </p:par>
-    </p:tnLst>
-  </p:timing>
 </p:sld>
 </file>
 
@@ -21704,10 +21154,9 @@
           <a:lstStyle/>
           <a:p>
             <a:r>
-              <a:rPr lang="en-US" dirty="0" smtClean="0"/>
+              <a:rPr lang="en-US" dirty="0"/>
               <a:t>12. Purchase History</a:t>
             </a:r>
-            <a:endParaRPr lang="en-US" dirty="0"/>
           </a:p>
         </p:txBody>
       </p:sp>
@@ -21732,32 +21181,15 @@
           <a:lstStyle/>
           <a:p>
             <a:r>
-              <a:rPr lang="en-US" dirty="0" smtClean="0"/>
-              <a:t>Clicking on                        </a:t>
-            </a:r>
-            <a:r>
               <a:rPr lang="en-US" dirty="0"/>
-              <a:t>in the user profile </a:t>
-            </a:r>
-            <a:r>
-              <a:rPr lang="en-US" dirty="0" smtClean="0"/>
-              <a:t>screen takes you </a:t>
-            </a:r>
+              <a:t>Clicking on                        in the user profile screen takes you to this page.</a:t>
+            </a:r>
+          </a:p>
+          <a:p>
             <a:r>
               <a:rPr lang="en-US" dirty="0"/>
-              <a:t>to this </a:t>
-            </a:r>
-            <a:r>
-              <a:rPr lang="en-US" dirty="0" smtClean="0"/>
-              <a:t>page.</a:t>
-            </a:r>
-          </a:p>
-          <a:p>
-            <a:r>
-              <a:rPr lang="en-US" dirty="0" smtClean="0"/>
               <a:t>This page contains a record of all the sales and purchases you have done. </a:t>
             </a:r>
-            <a:endParaRPr lang="en-US" dirty="0"/>
           </a:p>
         </p:txBody>
       </p:sp>
@@ -21773,7 +21205,7 @@
           <a:blip r:embed="rId2">
             <a:extLst>
               <a:ext uri="{28A0092B-C50C-407E-A947-70E740481C1C}">
-                <a14:useLocalDpi xmlns:a14="http://schemas.microsoft.com/office/drawing/2010/main" xmlns="" val="0"/>
+                <a14:useLocalDpi xmlns:a14="http://schemas.microsoft.com/office/drawing/2010/main" val="0"/>
               </a:ext>
             </a:extLst>
           </a:blip>
@@ -21808,7 +21240,7 @@
           <a:blip r:embed="rId3">
             <a:extLst>
               <a:ext uri="{28A0092B-C50C-407E-A947-70E740481C1C}">
-                <a14:useLocalDpi xmlns:a14="http://schemas.microsoft.com/office/drawing/2010/main" xmlns="" val="0"/>
+                <a14:useLocalDpi xmlns:a14="http://schemas.microsoft.com/office/drawing/2010/main" val="0"/>
               </a:ext>
             </a:extLst>
           </a:blip>
@@ -21842,7 +21274,7 @@
     </p:spTree>
     <p:extLst>
       <p:ext uri="{BB962C8B-B14F-4D97-AF65-F5344CB8AC3E}">
-        <p14:creationId xmlns:p14="http://schemas.microsoft.com/office/powerpoint/2010/main" xmlns="" val="1467867150"/>
+        <p14:creationId xmlns:p14="http://schemas.microsoft.com/office/powerpoint/2010/main" val="1467867150"/>
       </p:ext>
     </p:extLst>
   </p:cSld>
@@ -21852,13 +21284,6 @@
   <p:transition spd="slow">
     <p:cover/>
   </p:transition>
-  <p:timing>
-    <p:tnLst>
-      <p:par>
-        <p:cTn id="1" dur="indefinite" restart="never" nodeType="tmRoot"/>
-      </p:par>
-    </p:tnLst>
-  </p:timing>
 </p:sld>
 </file>
 
@@ -21891,7 +21316,7 @@
           <a:blip r:embed="rId2">
             <a:extLst>
               <a:ext uri="{28A0092B-C50C-407E-A947-70E740481C1C}">
-                <a14:useLocalDpi xmlns:a14="http://schemas.microsoft.com/office/drawing/2010/main" xmlns="" val="0"/>
+                <a14:useLocalDpi xmlns:a14="http://schemas.microsoft.com/office/drawing/2010/main" val="0"/>
               </a:ext>
             </a:extLst>
           </a:blip>
@@ -21912,7 +21337,7 @@
     </p:spTree>
     <p:extLst>
       <p:ext uri="{BB962C8B-B14F-4D97-AF65-F5344CB8AC3E}">
-        <p14:creationId xmlns:p14="http://schemas.microsoft.com/office/powerpoint/2010/main" xmlns="" val="760698522"/>
+        <p14:creationId xmlns:p14="http://schemas.microsoft.com/office/powerpoint/2010/main" val="760698522"/>
       </p:ext>
     </p:extLst>
   </p:cSld>
@@ -21922,13 +21347,6 @@
   <p:transition spd="slow">
     <p:cover/>
   </p:transition>
-  <p:timing>
-    <p:tnLst>
-      <p:par>
-        <p:cTn id="1" dur="indefinite" restart="never" nodeType="tmRoot"/>
-      </p:par>
-    </p:tnLst>
-  </p:timing>
 </p:sld>
 </file>
 
@@ -21961,7 +21379,7 @@
           <a:blip r:embed="rId2">
             <a:extLst>
               <a:ext uri="{28A0092B-C50C-407E-A947-70E740481C1C}">
-                <a14:useLocalDpi xmlns:a14="http://schemas.microsoft.com/office/drawing/2010/main" xmlns="" val="0"/>
+                <a14:useLocalDpi xmlns:a14="http://schemas.microsoft.com/office/drawing/2010/main" val="0"/>
               </a:ext>
             </a:extLst>
           </a:blip>
@@ -21982,7 +21400,7 @@
     </p:spTree>
     <p:extLst>
       <p:ext uri="{BB962C8B-B14F-4D97-AF65-F5344CB8AC3E}">
-        <p14:creationId xmlns:p14="http://schemas.microsoft.com/office/powerpoint/2010/main" xmlns="" val="1941841708"/>
+        <p14:creationId xmlns:p14="http://schemas.microsoft.com/office/powerpoint/2010/main" val="1941841708"/>
       </p:ext>
     </p:extLst>
   </p:cSld>
@@ -21992,13 +21410,6 @@
   <p:transition spd="slow">
     <p:cover/>
   </p:transition>
-  <p:timing>
-    <p:tnLst>
-      <p:par>
-        <p:cTn id="1" dur="indefinite" restart="never" nodeType="tmRoot"/>
-      </p:par>
-    </p:tnLst>
-  </p:timing>
 </p:sld>
 </file>
 
@@ -22040,10 +21451,9 @@
           <a:lstStyle/>
           <a:p>
             <a:r>
-              <a:rPr lang="en-US" dirty="0" smtClean="0"/>
+              <a:rPr lang="en-US" dirty="0"/>
               <a:t>Introduction</a:t>
             </a:r>
-            <a:endParaRPr lang="en-US" dirty="0"/>
           </a:p>
         </p:txBody>
       </p:sp>
@@ -22073,34 +21483,9 @@
               <a:buNone/>
             </a:pPr>
             <a:r>
-              <a:rPr lang="en-US" sz="2400" dirty="0" smtClean="0"/>
-              <a:t>Books2Go </a:t>
-            </a:r>
-            <a:r>
               <a:rPr lang="en-US" sz="2400" dirty="0"/>
-              <a:t>App is a </a:t>
-            </a:r>
-            <a:r>
-              <a:rPr lang="en-US" sz="2400" dirty="0" smtClean="0"/>
-              <a:t>android application that serves as a portal where Illinois Tech </a:t>
-            </a:r>
-            <a:r>
-              <a:rPr lang="en-US" sz="2400" dirty="0"/>
-              <a:t>students could quickly and easily </a:t>
-            </a:r>
-            <a:r>
-              <a:rPr lang="en-US" sz="2400" dirty="0" smtClean="0"/>
-              <a:t>sell or </a:t>
-            </a:r>
-            <a:r>
-              <a:rPr lang="en-US" sz="2400" dirty="0"/>
-              <a:t>buy used books </a:t>
-            </a:r>
-            <a:r>
-              <a:rPr lang="en-US" sz="2400" dirty="0" smtClean="0"/>
-              <a:t>locally. This app would mainly help the outgoing students in selling off their used books before they leave. Books2Go would serve as an innovative way for IIT students to save a lot of money during college. </a:t>
-            </a:r>
-            <a:endParaRPr lang="en-US" sz="2400" dirty="0"/>
+              <a:t>Books2Go App is a android application that serves as a portal where Illinois Tech students could quickly and easily sell or buy used books locally. This app would mainly help the outgoing students in selling off their used books before they leave. Books2Go would serve as an innovative way for IIT students to save a lot of money during college. </a:t>
+            </a:r>
           </a:p>
         </p:txBody>
       </p:sp>
@@ -22116,7 +21501,7 @@
           <a:blip r:embed="rId2">
             <a:extLst>
               <a:ext uri="{28A0092B-C50C-407E-A947-70E740481C1C}">
-                <a14:useLocalDpi xmlns:a14="http://schemas.microsoft.com/office/drawing/2010/main" xmlns="" val="0"/>
+                <a14:useLocalDpi xmlns:a14="http://schemas.microsoft.com/office/drawing/2010/main" val="0"/>
               </a:ext>
             </a:extLst>
           </a:blip>
@@ -22137,7 +21522,7 @@
     </p:spTree>
     <p:extLst>
       <p:ext uri="{BB962C8B-B14F-4D97-AF65-F5344CB8AC3E}">
-        <p14:creationId xmlns:p14="http://schemas.microsoft.com/office/powerpoint/2010/main" xmlns="" val="970425397"/>
+        <p14:creationId xmlns:p14="http://schemas.microsoft.com/office/powerpoint/2010/main" val="970425397"/>
       </p:ext>
     </p:extLst>
   </p:cSld>
@@ -22147,13 +21532,6 @@
   <p:transition spd="slow">
     <p:cover/>
   </p:transition>
-  <p:timing>
-    <p:tnLst>
-      <p:par>
-        <p:cTn id="1" dur="indefinite" restart="never" nodeType="tmRoot"/>
-      </p:par>
-    </p:tnLst>
-  </p:timing>
 </p:sld>
 </file>
 
@@ -22190,10 +21568,9 @@
           <a:lstStyle/>
           <a:p>
             <a:r>
-              <a:rPr lang="en-US" dirty="0" smtClean="0"/>
+              <a:rPr lang="en-US" dirty="0"/>
               <a:t>Target Users</a:t>
             </a:r>
-            <a:endParaRPr lang="en-US" dirty="0"/>
           </a:p>
         </p:txBody>
       </p:sp>
@@ -22223,25 +21600,25 @@
               <a:buNone/>
             </a:pPr>
             <a:r>
-              <a:rPr lang="en-US" sz="2000" dirty="0" smtClean="0"/>
+              <a:rPr lang="en-US" sz="2000" dirty="0"/>
               <a:t>Books2Go is a community marketplace for all the students of Illinois Institute of  Technology, Chicago. The applications will mainly help those students,</a:t>
             </a:r>
           </a:p>
           <a:p>
             <a:r>
-              <a:rPr lang="en-US" sz="2000" dirty="0" smtClean="0"/>
+              <a:rPr lang="en-US" sz="2000" dirty="0"/>
               <a:t>Who are in need of books for their courses/research.</a:t>
             </a:r>
           </a:p>
           <a:p>
             <a:r>
-              <a:rPr lang="en-US" sz="2000" dirty="0" smtClean="0"/>
+              <a:rPr lang="en-US" sz="2000" dirty="0"/>
               <a:t>Who have completed courses and would like to sell off their text books.</a:t>
             </a:r>
           </a:p>
           <a:p>
             <a:r>
-              <a:rPr lang="en-US" sz="2000" dirty="0" smtClean="0"/>
+              <a:rPr lang="en-US" sz="2000" dirty="0"/>
               <a:t>Who are leaving IIT after completion of their degree and would like to sell all their text books before they leave.</a:t>
             </a:r>
           </a:p>
@@ -22259,7 +21636,7 @@
           <a:blip r:embed="rId2">
             <a:extLst>
               <a:ext uri="{28A0092B-C50C-407E-A947-70E740481C1C}">
-                <a14:useLocalDpi xmlns:a14="http://schemas.microsoft.com/office/drawing/2010/main" xmlns="" val="0"/>
+                <a14:useLocalDpi xmlns:a14="http://schemas.microsoft.com/office/drawing/2010/main" val="0"/>
               </a:ext>
             </a:extLst>
           </a:blip>
@@ -22280,7 +21657,7 @@
     </p:spTree>
     <p:extLst>
       <p:ext uri="{BB962C8B-B14F-4D97-AF65-F5344CB8AC3E}">
-        <p14:creationId xmlns:p14="http://schemas.microsoft.com/office/powerpoint/2010/main" xmlns="" val="764323034"/>
+        <p14:creationId xmlns:p14="http://schemas.microsoft.com/office/powerpoint/2010/main" val="764323034"/>
       </p:ext>
     </p:extLst>
   </p:cSld>
@@ -22290,13 +21667,6 @@
   <p:transition spd="slow">
     <p:cover/>
   </p:transition>
-  <p:timing>
-    <p:tnLst>
-      <p:par>
-        <p:cTn id="1" dur="indefinite" restart="never" nodeType="tmRoot"/>
-      </p:par>
-    </p:tnLst>
-  </p:timing>
 </p:sld>
 </file>
 
@@ -22338,10 +21708,9 @@
           <a:lstStyle/>
           <a:p>
             <a:r>
-              <a:rPr lang="en-US" dirty="0" smtClean="0"/>
+              <a:rPr lang="en-US" dirty="0"/>
               <a:t>Android Technologies Used</a:t>
             </a:r>
-            <a:endParaRPr lang="en-US" dirty="0"/>
           </a:p>
         </p:txBody>
       </p:sp>
@@ -22370,11 +21739,7 @@
             <a:pPr lvl="0"/>
             <a:r>
               <a:rPr lang="en-US" b="1" dirty="0"/>
-              <a:t>Activity and </a:t>
-            </a:r>
-            <a:r>
-              <a:rPr lang="en-US" b="1" dirty="0" smtClean="0"/>
-              <a:t>fragment</a:t>
+              <a:t>Activity and fragment</a:t>
             </a:r>
             <a:endParaRPr lang="en-GB" b="1" dirty="0"/>
           </a:p>
@@ -22383,23 +21748,15 @@
               <a:buNone/>
             </a:pPr>
             <a:r>
-              <a:rPr lang="en-US" dirty="0" smtClean="0"/>
-              <a:t>Define </a:t>
-            </a:r>
-            <a:r>
               <a:rPr lang="en-US" dirty="0"/>
-              <a:t>a main activity to communicate with several different fragments through the interfaces. This helps us reuse the fragment UI components and make the fragments communicate with each other through the activity</a:t>
-            </a:r>
-            <a:r>
-              <a:rPr lang="en-US" dirty="0" smtClean="0"/>
-              <a:t>.</a:t>
+              <a:t>Define a main activity to communicate with several different fragments through the interfaces. This helps us reuse the fragment UI components and make the fragments communicate with each other through the activity.</a:t>
             </a:r>
             <a:endParaRPr lang="en-GB" dirty="0"/>
           </a:p>
           <a:p>
             <a:pPr lvl="0"/>
             <a:r>
-              <a:rPr lang="en-US" b="1" dirty="0" smtClean="0"/>
+              <a:rPr lang="en-US" b="1" dirty="0"/>
               <a:t>Intent</a:t>
             </a:r>
             <a:endParaRPr lang="en-GB" b="1" dirty="0"/>
@@ -22410,19 +21767,7 @@
             </a:pPr>
             <a:r>
               <a:rPr lang="en-US" dirty="0"/>
-              <a:t>Use intent in startService to communicate with our background service. </a:t>
-            </a:r>
-            <a:r>
-              <a:rPr lang="en-US" dirty="0" smtClean="0"/>
-              <a:t>Use </a:t>
-            </a:r>
-            <a:r>
-              <a:rPr lang="en-US" dirty="0"/>
-              <a:t>intent in startActivity to launch an activity and sent it back to main activity for uploading images</a:t>
-            </a:r>
-            <a:r>
-              <a:rPr lang="en-US" dirty="0" smtClean="0"/>
-              <a:t>.</a:t>
+              <a:t>Use intent in startService to communicate with our background service. Use intent in startActivity to launch an activity and sent it back to main activity for uploading images.</a:t>
             </a:r>
             <a:endParaRPr lang="en-GB" dirty="0"/>
           </a:p>
@@ -22430,11 +21775,7 @@
             <a:pPr lvl="0"/>
             <a:r>
               <a:rPr lang="en-US" b="1" dirty="0"/>
-              <a:t>Custom </a:t>
-            </a:r>
-            <a:r>
-              <a:rPr lang="en-US" b="1" dirty="0" smtClean="0"/>
-              <a:t>Theme</a:t>
+              <a:t>Custom Theme</a:t>
             </a:r>
             <a:endParaRPr lang="en-GB" b="1" dirty="0"/>
           </a:p>
@@ -22465,7 +21806,7 @@
           <a:blip r:embed="rId2">
             <a:extLst>
               <a:ext uri="{28A0092B-C50C-407E-A947-70E740481C1C}">
-                <a14:useLocalDpi xmlns:a14="http://schemas.microsoft.com/office/drawing/2010/main" xmlns="" val="0"/>
+                <a14:useLocalDpi xmlns:a14="http://schemas.microsoft.com/office/drawing/2010/main" val="0"/>
               </a:ext>
             </a:extLst>
           </a:blip>
@@ -22486,7 +21827,7 @@
     </p:spTree>
     <p:extLst>
       <p:ext uri="{BB962C8B-B14F-4D97-AF65-F5344CB8AC3E}">
-        <p14:creationId xmlns:p14="http://schemas.microsoft.com/office/powerpoint/2010/main" xmlns="" val="1714597395"/>
+        <p14:creationId xmlns:p14="http://schemas.microsoft.com/office/powerpoint/2010/main" val="1714597395"/>
       </p:ext>
     </p:extLst>
   </p:cSld>
@@ -22496,13 +21837,6 @@
   <p:transition spd="slow">
     <p:cover/>
   </p:transition>
-  <p:timing>
-    <p:tnLst>
-      <p:par>
-        <p:cTn id="1" dur="indefinite" restart="never" nodeType="tmRoot"/>
-      </p:par>
-    </p:tnLst>
-  </p:timing>
 </p:sld>
 </file>
 
@@ -22558,19 +21892,7 @@
             </a:pPr>
             <a:r>
               <a:rPr lang="en-US" dirty="0"/>
-              <a:t>B</a:t>
-            </a:r>
-            <a:r>
-              <a:rPr lang="en-US" dirty="0" smtClean="0"/>
-              <a:t>eautiful </a:t>
-            </a:r>
-            <a:r>
-              <a:rPr lang="en-US" dirty="0"/>
-              <a:t>and memorable icon to attract user’s attention in the Google play store</a:t>
-            </a:r>
-            <a:r>
-              <a:rPr lang="en-US" dirty="0" smtClean="0"/>
-              <a:t>.</a:t>
+              <a:t>Beautiful and memorable icon to attract user’s attention in the Google play store.</a:t>
             </a:r>
           </a:p>
           <a:p>
@@ -22592,16 +21914,8 @@
               <a:buNone/>
             </a:pPr>
             <a:r>
-              <a:rPr lang="en-US" dirty="0" smtClean="0"/>
-              <a:t>Show </a:t>
-            </a:r>
-            <a:r>
               <a:rPr lang="en-US" dirty="0"/>
-              <a:t>our app logo for a couple of second before the app loads completely</a:t>
-            </a:r>
-            <a:r>
-              <a:rPr lang="en-US" dirty="0" smtClean="0"/>
-              <a:t>.</a:t>
+              <a:t>Show our app logo for a couple of second before the app loads completely.</a:t>
             </a:r>
           </a:p>
           <a:p>
@@ -22614,11 +21928,7 @@
             <a:pPr lvl="0"/>
             <a:r>
               <a:rPr lang="en-US" b="1" dirty="0"/>
-              <a:t>Button to upload </a:t>
-            </a:r>
-            <a:r>
-              <a:rPr lang="en-US" b="1" dirty="0" smtClean="0"/>
-              <a:t>image</a:t>
+              <a:t>Button to upload image</a:t>
             </a:r>
           </a:p>
           <a:p>
@@ -22626,23 +21936,15 @@
               <a:buNone/>
             </a:pPr>
             <a:r>
-              <a:rPr lang="en-US" dirty="0" smtClean="0"/>
-              <a:t>Click </a:t>
-            </a:r>
-            <a:r>
               <a:rPr lang="en-US" dirty="0"/>
-              <a:t>“add image” to upload a book image or a profile picture to server</a:t>
-            </a:r>
-            <a:r>
-              <a:rPr lang="en-US" dirty="0" smtClean="0"/>
-              <a:t>.</a:t>
+              <a:t>Click “add image” to upload a book image or a profile picture to server.</a:t>
             </a:r>
           </a:p>
           <a:p>
             <a:pPr marL="0" lvl="0" indent="0">
               <a:buNone/>
             </a:pPr>
-            <a:endParaRPr lang="en-US" dirty="0" smtClean="0"/>
+            <a:endParaRPr lang="en-US" dirty="0"/>
           </a:p>
           <a:p>
             <a:pPr lvl="0"/>
@@ -22670,7 +21972,7 @@
     </p:spTree>
     <p:extLst>
       <p:ext uri="{BB962C8B-B14F-4D97-AF65-F5344CB8AC3E}">
-        <p14:creationId xmlns:p14="http://schemas.microsoft.com/office/powerpoint/2010/main" xmlns="" val="885520223"/>
+        <p14:creationId xmlns:p14="http://schemas.microsoft.com/office/powerpoint/2010/main" val="885520223"/>
       </p:ext>
     </p:extLst>
   </p:cSld>
@@ -22680,13 +21982,6 @@
   <p:transition spd="slow">
     <p:cover/>
   </p:transition>
-  <p:timing>
-    <p:tnLst>
-      <p:par>
-        <p:cTn id="1" dur="indefinite" restart="never" nodeType="tmRoot"/>
-      </p:par>
-    </p:tnLst>
-  </p:timing>
 </p:sld>
 </file>
 
@@ -22730,7 +22025,7 @@
           <a:lstStyle/>
           <a:p>
             <a:r>
-              <a:rPr lang="en-US" b="1" dirty="0" err="1" smtClean="0"/>
+              <a:rPr lang="en-US" b="1" dirty="0" err="1"/>
               <a:t>GridView</a:t>
             </a:r>
             <a:endParaRPr lang="en-GB" b="1" dirty="0"/>
@@ -22741,27 +22036,23 @@
             </a:pPr>
             <a:r>
               <a:rPr lang="en-US" dirty="0"/>
-              <a:t>Display the selling books in a two-column and scrollable grid</a:t>
-            </a:r>
-            <a:r>
-              <a:rPr lang="en-US" dirty="0" smtClean="0"/>
-              <a:t>.</a:t>
+              <a:t>Display the selling books in a two-column and scrollable grid.</a:t>
             </a:r>
           </a:p>
           <a:p>
             <a:pPr marL="0" indent="0">
               <a:buNone/>
             </a:pPr>
-            <a:endParaRPr lang="en-US" dirty="0" smtClean="0"/>
+            <a:endParaRPr lang="en-US" dirty="0"/>
           </a:p>
           <a:p>
             <a:pPr lvl="0"/>
             <a:r>
-              <a:rPr lang="en-US" b="1" dirty="0" err="1" smtClean="0"/>
+              <a:rPr lang="en-US" b="1" dirty="0" err="1"/>
               <a:t>Customed</a:t>
             </a:r>
             <a:r>
-              <a:rPr lang="en-US" b="1" dirty="0" smtClean="0"/>
+              <a:rPr lang="en-US" b="1" dirty="0"/>
               <a:t> </a:t>
             </a:r>
             <a:r>
@@ -22895,7 +22186,7 @@
     </p:spTree>
     <p:extLst>
       <p:ext uri="{BB962C8B-B14F-4D97-AF65-F5344CB8AC3E}">
-        <p14:creationId xmlns:p14="http://schemas.microsoft.com/office/powerpoint/2010/main" xmlns="" val="2084026969"/>
+        <p14:creationId xmlns:p14="http://schemas.microsoft.com/office/powerpoint/2010/main" val="2084026969"/>
       </p:ext>
     </p:extLst>
   </p:cSld>
@@ -22905,13 +22196,6 @@
   <p:transition spd="slow">
     <p:cover/>
   </p:transition>
-  <p:timing>
-    <p:tnLst>
-      <p:par>
-        <p:cTn id="1" dur="indefinite" restart="never" nodeType="tmRoot"/>
-      </p:par>
-    </p:tnLst>
-  </p:timing>
 </p:sld>
 </file>
 
@@ -22967,24 +22251,20 @@
             </a:pPr>
             <a:r>
               <a:rPr lang="en-US" dirty="0"/>
-              <a:t>The app online users are able to receive a notification with sounds when a new book is posted</a:t>
-            </a:r>
-            <a:r>
-              <a:rPr lang="en-US" dirty="0" smtClean="0"/>
-              <a:t>.</a:t>
-            </a:r>
-            <a:endParaRPr lang="en-GB" dirty="0" smtClean="0"/>
+              <a:t>The app online users are able to receive a notification with sounds when a new book is posted.</a:t>
+            </a:r>
+            <a:endParaRPr lang="en-GB" dirty="0"/>
           </a:p>
           <a:p>
             <a:pPr marL="0" indent="0">
               <a:buNone/>
             </a:pPr>
-            <a:endParaRPr lang="en-US" b="1" dirty="0" smtClean="0"/>
+            <a:endParaRPr lang="en-US" b="1" dirty="0"/>
           </a:p>
           <a:p>
             <a:pPr lvl="0"/>
             <a:r>
-              <a:rPr lang="en-US" b="1" dirty="0" err="1" smtClean="0"/>
+              <a:rPr lang="en-US" b="1" dirty="0" err="1"/>
               <a:t>Linkify</a:t>
             </a:r>
             <a:endParaRPr lang="en-GB" b="1" dirty="0"/>
@@ -23043,11 +22323,7 @@
             </a:r>
             <a:r>
               <a:rPr lang="en-US" dirty="0"/>
-              <a:t> to help admin easily to delete a bad message</a:t>
-            </a:r>
-            <a:r>
-              <a:rPr lang="en-US" dirty="0" smtClean="0"/>
-              <a:t>.</a:t>
+              <a:t> to help admin easily to delete a bad message.</a:t>
             </a:r>
           </a:p>
           <a:p>
@@ -23090,7 +22366,7 @@
     </p:spTree>
     <p:extLst>
       <p:ext uri="{BB962C8B-B14F-4D97-AF65-F5344CB8AC3E}">
-        <p14:creationId xmlns:p14="http://schemas.microsoft.com/office/powerpoint/2010/main" xmlns="" val="550026216"/>
+        <p14:creationId xmlns:p14="http://schemas.microsoft.com/office/powerpoint/2010/main" val="550026216"/>
       </p:ext>
     </p:extLst>
   </p:cSld>
@@ -23100,13 +22376,6 @@
   <p:transition spd="slow">
     <p:cover/>
   </p:transition>
-  <p:timing>
-    <p:tnLst>
-      <p:par>
-        <p:cTn id="1" dur="indefinite" restart="never" nodeType="tmRoot"/>
-      </p:par>
-    </p:tnLst>
-  </p:timing>
 </p:sld>
 </file>
 
@@ -23367,7 +22636,7 @@
   <a:extraClrSchemeLst/>
   <a:extLst>
     <a:ext uri="{05A4C25C-085E-4340-85A3-A5531E510DB2}">
-      <thm15:themeFamily xmlns:thm15="http://schemas.microsoft.com/office/thememl/2012/main" xmlns="" name="Ion Boardroom" id="{FC33163D-4339-46B1-8EED-24C834239D99}" vid="{BF1C4790-FE3C-4020-8CA7-00621DA7BBBC}"/>
+      <thm15:themeFamily xmlns:thm15="http://schemas.microsoft.com/office/thememl/2012/main" name="Ion Boardroom" id="{FC33163D-4339-46B1-8EED-24C834239D99}" vid="{BF1C4790-FE3C-4020-8CA7-00621DA7BBBC}"/>
     </a:ext>
   </a:extLst>
 </a:theme>
@@ -23628,7 +22897,7 @@
   <a:extraClrSchemeLst/>
   <a:extLst>
     <a:ext uri="{05A4C25C-085E-4340-85A3-A5531E510DB2}">
-      <thm15:themeFamily xmlns:thm15="http://schemas.microsoft.com/office/thememl/2012/main" xmlns="" name="Office Theme" id="{62F939B6-93AF-4DB8-9C6B-D6C7DFDC589F}" vid="{4A3C46E8-61CC-4603-A589-7422A47A8E4A}"/>
+      <thm15:themeFamily xmlns:thm15="http://schemas.microsoft.com/office/thememl/2012/main" name="Office Theme" id="{62F939B6-93AF-4DB8-9C6B-D6C7DFDC589F}" vid="{4A3C46E8-61CC-4603-A589-7422A47A8E4A}"/>
     </a:ext>
   </a:extLst>
 </a:theme>
@@ -23889,7 +23158,7 @@
   <a:extraClrSchemeLst/>
   <a:extLst>
     <a:ext uri="{05A4C25C-085E-4340-85A3-A5531E510DB2}">
-      <thm15:themeFamily xmlns:thm15="http://schemas.microsoft.com/office/thememl/2012/main" xmlns="" name="Office Theme" id="{62F939B6-93AF-4DB8-9C6B-D6C7DFDC589F}" vid="{4A3C46E8-61CC-4603-A589-7422A47A8E4A}"/>
+      <thm15:themeFamily xmlns:thm15="http://schemas.microsoft.com/office/thememl/2012/main" name="Office Theme" id="{62F939B6-93AF-4DB8-9C6B-D6C7DFDC589F}" vid="{4A3C46E8-61CC-4603-A589-7422A47A8E4A}"/>
     </a:ext>
   </a:extLst>
 </a:theme>
